--- a/slides/Tag1_2Nachmittag_Nr2_Raschmodell_als_GLMM/03_Raschmodell_als_GLMM.pptx
+++ b/slides/Tag1_2Nachmittag_Nr2_Raschmodell_als_GLMM/03_Raschmodell_als_GLMM.pptx
@@ -5,10 +5,10 @@
     <p:sldMasterId id="2147483664" r:id="rId1"/>
   </p:sldMasterIdLst>
   <p:notesMasterIdLst>
-    <p:notesMasterId r:id="rId7"/>
+    <p:notesMasterId r:id="rId8"/>
   </p:notesMasterIdLst>
   <p:handoutMasterIdLst>
-    <p:handoutMasterId r:id="rId8"/>
+    <p:handoutMasterId r:id="rId9"/>
   </p:handoutMasterIdLst>
   <p:sldIdLst>
     <p:sldId id="904" r:id="rId2"/>
@@ -16,6 +16,7 @@
     <p:sldId id="1073" r:id="rId4"/>
     <p:sldId id="1074" r:id="rId5"/>
     <p:sldId id="1072" r:id="rId6"/>
+    <p:sldId id="1075" r:id="rId7"/>
   </p:sldIdLst>
   <p:sldSz cx="9144000" cy="6858000" type="screen4x3"/>
   <p:notesSz cx="6662738" cy="9906000"/>
@@ -314,7 +315,7 @@
               <a:pPr>
                 <a:defRPr/>
               </a:pPr>
-              <a:t>20.09.2024</a:t>
+              <a:t>23.09.2024</a:t>
             </a:fld>
             <a:endParaRPr lang="de-DE"/>
           </a:p>
@@ -512,7 +513,7 @@
               <a:pPr>
                 <a:defRPr/>
               </a:pPr>
-              <a:t>20.09.2024</a:t>
+              <a:t>23.09.2024</a:t>
             </a:fld>
             <a:endParaRPr lang="de-DE"/>
           </a:p>
@@ -2169,6 +2170,272 @@
 </p:notes>
 </file>
 
+<file path=ppt/notesSlides/notesSlide6.xml><?xml version="1.0" encoding="utf-8"?>
+<p:notes xmlns:a="http://schemas.openxmlformats.org/drawingml/2006/main" xmlns:r="http://schemas.openxmlformats.org/officeDocument/2006/relationships" xmlns:p="http://schemas.openxmlformats.org/presentationml/2006/main">
+  <p:cSld>
+    <p:spTree>
+      <p:nvGrpSpPr>
+        <p:cNvPr id="1" name=""/>
+        <p:cNvGrpSpPr/>
+        <p:nvPr/>
+      </p:nvGrpSpPr>
+      <p:grpSpPr>
+        <a:xfrm>
+          <a:off x="0" y="0"/>
+          <a:ext cx="0" cy="0"/>
+          <a:chOff x="0" y="0"/>
+          <a:chExt cx="0" cy="0"/>
+        </a:xfrm>
+      </p:grpSpPr>
+      <p:sp>
+        <p:nvSpPr>
+          <p:cNvPr id="264194" name="Folienbildplatzhalter 1"/>
+          <p:cNvSpPr>
+            <a:spLocks noGrp="1" noRot="1" noChangeAspect="1" noTextEdit="1"/>
+          </p:cNvSpPr>
+          <p:nvPr>
+            <p:ph type="sldImg"/>
+          </p:nvPr>
+        </p:nvSpPr>
+        <p:spPr bwMode="auto">
+          <a:noFill/>
+          <a:ln>
+            <a:solidFill>
+              <a:srgbClr val="000000"/>
+            </a:solidFill>
+            <a:miter lim="800000"/>
+            <a:headEnd/>
+            <a:tailEnd/>
+          </a:ln>
+          <a:extLst>
+            <a:ext uri="{909E8E84-426E-40DD-AFC4-6F175D3DCCD1}">
+              <a14:hiddenFill xmlns:a14="http://schemas.microsoft.com/office/drawing/2010/main">
+                <a:solidFill>
+                  <a:srgbClr val="FFFFFF"/>
+                </a:solidFill>
+              </a14:hiddenFill>
+            </a:ext>
+          </a:extLst>
+        </p:spPr>
+      </p:sp>
+      <p:sp>
+        <p:nvSpPr>
+          <p:cNvPr id="264195" name="Notizenplatzhalter 2"/>
+          <p:cNvSpPr>
+            <a:spLocks noGrp="1"/>
+          </p:cNvSpPr>
+          <p:nvPr>
+            <p:ph type="body" idx="1"/>
+          </p:nvPr>
+        </p:nvSpPr>
+        <p:spPr bwMode="auto">
+          <a:noFill/>
+          <a:extLst>
+            <a:ext uri="{909E8E84-426E-40DD-AFC4-6F175D3DCCD1}">
+              <a14:hiddenFill xmlns:a14="http://schemas.microsoft.com/office/drawing/2010/main">
+                <a:solidFill>
+                  <a:srgbClr val="FFFFFF"/>
+                </a:solidFill>
+              </a14:hiddenFill>
+            </a:ext>
+            <a:ext uri="{91240B29-F687-4F45-9708-019B960494DF}">
+              <a14:hiddenLine xmlns:a14="http://schemas.microsoft.com/office/drawing/2010/main" w="9525">
+                <a:solidFill>
+                  <a:srgbClr val="000000"/>
+                </a:solidFill>
+                <a:miter lim="800000"/>
+                <a:headEnd/>
+                <a:tailEnd/>
+              </a14:hiddenLine>
+            </a:ext>
+          </a:extLst>
+        </p:spPr>
+        <p:txBody>
+          <a:bodyPr wrap="square" numCol="1" anchor="t" anchorCtr="0" compatLnSpc="1">
+            <a:prstTxWarp prst="textNoShape">
+              <a:avLst/>
+            </a:prstTxWarp>
+          </a:bodyPr>
+          <a:lstStyle/>
+          <a:p>
+            <a:pPr marL="285750" indent="-285750">
+              <a:buFontTx/>
+              <a:buChar char="-"/>
+            </a:pPr>
+            <a:endParaRPr lang="de-DE" altLang="de-DE">
+              <a:sym typeface="Wingdings" pitchFamily="2" charset="2"/>
+            </a:endParaRPr>
+          </a:p>
+        </p:txBody>
+      </p:sp>
+      <p:sp>
+        <p:nvSpPr>
+          <p:cNvPr id="264196" name="Foliennummernplatzhalter 3"/>
+          <p:cNvSpPr txBox="1">
+            <a:spLocks noGrp="1"/>
+          </p:cNvSpPr>
+          <p:nvPr/>
+        </p:nvSpPr>
+        <p:spPr bwMode="auto">
+          <a:xfrm>
+            <a:off x="3773270" y="9409028"/>
+            <a:ext cx="2887913" cy="495379"/>
+          </a:xfrm>
+          <a:prstGeom prst="rect">
+            <a:avLst/>
+          </a:prstGeom>
+          <a:noFill/>
+          <a:ln>
+            <a:noFill/>
+          </a:ln>
+          <a:extLst>
+            <a:ext uri="{909E8E84-426E-40DD-AFC4-6F175D3DCCD1}">
+              <a14:hiddenFill xmlns:a14="http://schemas.microsoft.com/office/drawing/2010/main">
+                <a:solidFill>
+                  <a:srgbClr val="FFFFFF"/>
+                </a:solidFill>
+              </a14:hiddenFill>
+            </a:ext>
+            <a:ext uri="{91240B29-F687-4F45-9708-019B960494DF}">
+              <a14:hiddenLine xmlns:a14="http://schemas.microsoft.com/office/drawing/2010/main" w="9525">
+                <a:solidFill>
+                  <a:srgbClr val="000000"/>
+                </a:solidFill>
+                <a:miter lim="800000"/>
+                <a:headEnd/>
+                <a:tailEnd/>
+              </a14:hiddenLine>
+            </a:ext>
+          </a:extLst>
+        </p:spPr>
+        <p:txBody>
+          <a:bodyPr anchor="b"/>
+          <a:lstStyle>
+            <a:lvl1pPr eaLnBrk="0" hangingPunct="0">
+              <a:defRPr sz="2000">
+                <a:solidFill>
+                  <a:schemeClr val="tx1"/>
+                </a:solidFill>
+                <a:latin typeface="Times New Roman" pitchFamily="18" charset="0"/>
+              </a:defRPr>
+            </a:lvl1pPr>
+            <a:lvl2pPr marL="742950" indent="-285750" eaLnBrk="0" hangingPunct="0">
+              <a:defRPr sz="2000">
+                <a:solidFill>
+                  <a:schemeClr val="tx1"/>
+                </a:solidFill>
+                <a:latin typeface="Times New Roman" pitchFamily="18" charset="0"/>
+              </a:defRPr>
+            </a:lvl2pPr>
+            <a:lvl3pPr marL="1143000" indent="-228600" eaLnBrk="0" hangingPunct="0">
+              <a:defRPr sz="2000">
+                <a:solidFill>
+                  <a:schemeClr val="tx1"/>
+                </a:solidFill>
+                <a:latin typeface="Times New Roman" pitchFamily="18" charset="0"/>
+              </a:defRPr>
+            </a:lvl3pPr>
+            <a:lvl4pPr marL="1600200" indent="-228600" eaLnBrk="0" hangingPunct="0">
+              <a:defRPr sz="2000">
+                <a:solidFill>
+                  <a:schemeClr val="tx1"/>
+                </a:solidFill>
+                <a:latin typeface="Times New Roman" pitchFamily="18" charset="0"/>
+              </a:defRPr>
+            </a:lvl4pPr>
+            <a:lvl5pPr marL="2057400" indent="-228600" eaLnBrk="0" hangingPunct="0">
+              <a:defRPr sz="2000">
+                <a:solidFill>
+                  <a:schemeClr val="tx1"/>
+                </a:solidFill>
+                <a:latin typeface="Times New Roman" pitchFamily="18" charset="0"/>
+              </a:defRPr>
+            </a:lvl5pPr>
+            <a:lvl6pPr marL="2514600" indent="-228600" eaLnBrk="0" fontAlgn="base" hangingPunct="0">
+              <a:spcBef>
+                <a:spcPct val="0"/>
+              </a:spcBef>
+              <a:spcAft>
+                <a:spcPct val="0"/>
+              </a:spcAft>
+              <a:defRPr sz="2000">
+                <a:solidFill>
+                  <a:schemeClr val="tx1"/>
+                </a:solidFill>
+                <a:latin typeface="Times New Roman" pitchFamily="18" charset="0"/>
+              </a:defRPr>
+            </a:lvl6pPr>
+            <a:lvl7pPr marL="2971800" indent="-228600" eaLnBrk="0" fontAlgn="base" hangingPunct="0">
+              <a:spcBef>
+                <a:spcPct val="0"/>
+              </a:spcBef>
+              <a:spcAft>
+                <a:spcPct val="0"/>
+              </a:spcAft>
+              <a:defRPr sz="2000">
+                <a:solidFill>
+                  <a:schemeClr val="tx1"/>
+                </a:solidFill>
+                <a:latin typeface="Times New Roman" pitchFamily="18" charset="0"/>
+              </a:defRPr>
+            </a:lvl7pPr>
+            <a:lvl8pPr marL="3429000" indent="-228600" eaLnBrk="0" fontAlgn="base" hangingPunct="0">
+              <a:spcBef>
+                <a:spcPct val="0"/>
+              </a:spcBef>
+              <a:spcAft>
+                <a:spcPct val="0"/>
+              </a:spcAft>
+              <a:defRPr sz="2000">
+                <a:solidFill>
+                  <a:schemeClr val="tx1"/>
+                </a:solidFill>
+                <a:latin typeface="Times New Roman" pitchFamily="18" charset="0"/>
+              </a:defRPr>
+            </a:lvl8pPr>
+            <a:lvl9pPr marL="3886200" indent="-228600" eaLnBrk="0" fontAlgn="base" hangingPunct="0">
+              <a:spcBef>
+                <a:spcPct val="0"/>
+              </a:spcBef>
+              <a:spcAft>
+                <a:spcPct val="0"/>
+              </a:spcAft>
+              <a:defRPr sz="2000">
+                <a:solidFill>
+                  <a:schemeClr val="tx1"/>
+                </a:solidFill>
+                <a:latin typeface="Times New Roman" pitchFamily="18" charset="0"/>
+              </a:defRPr>
+            </a:lvl9pPr>
+          </a:lstStyle>
+          <a:p>
+            <a:pPr algn="r" eaLnBrk="1" hangingPunct="1"/>
+            <a:fld id="{DFC60E97-45B7-4E19-8A8B-58F0EA56187E}" type="slidenum">
+              <a:rPr lang="de-DE" altLang="de-DE" sz="1200">
+                <a:latin typeface="Calibri" pitchFamily="34" charset="0"/>
+              </a:rPr>
+              <a:pPr algn="r" eaLnBrk="1" hangingPunct="1"/>
+              <a:t>5</a:t>
+            </a:fld>
+            <a:endParaRPr lang="de-DE" altLang="de-DE" sz="1200">
+              <a:latin typeface="Calibri" pitchFamily="34" charset="0"/>
+            </a:endParaRPr>
+          </a:p>
+        </p:txBody>
+      </p:sp>
+    </p:spTree>
+    <p:extLst>
+      <p:ext uri="{BB962C8B-B14F-4D97-AF65-F5344CB8AC3E}">
+        <p14:creationId xmlns:p14="http://schemas.microsoft.com/office/powerpoint/2010/main" val="2852770312"/>
+      </p:ext>
+    </p:extLst>
+  </p:cSld>
+  <p:clrMapOvr>
+    <a:masterClrMapping/>
+  </p:clrMapOvr>
+</p:notes>
+</file>
+
 <file path=ppt/slideLayouts/slideLayout1.xml><?xml version="1.0" encoding="utf-8"?>
 <p:sldLayout xmlns:a="http://schemas.openxmlformats.org/drawingml/2006/main" xmlns:r="http://schemas.openxmlformats.org/officeDocument/2006/relationships" xmlns:p="http://schemas.openxmlformats.org/presentationml/2006/main" showMasterSp="0" type="title" preserve="1">
   <p:cSld name="Titelfolie">
@@ -6880,7 +7147,7 @@
               <a:pPr>
                 <a:defRPr/>
               </a:pPr>
-              <a:t>20.09.2024</a:t>
+              <a:t>23.09.2024</a:t>
             </a:fld>
             <a:endParaRPr lang="de-DE" dirty="0"/>
           </a:p>
@@ -16199,7 +16466,7 @@
                 <a:latin typeface="Calibri" pitchFamily="34" charset="0"/>
                 <a:sym typeface="Symbol" panose="05050102010706020507" pitchFamily="18" charset="2"/>
               </a:rPr>
-              <a:t>Uebung_02_Raschmodell_als_GLMM.r</a:t>
+              <a:t>Tag1_2Nachmittag_Nr2_Raschmodell_als_GLMM.r</a:t>
             </a:r>
             <a:endParaRPr lang="en-US" altLang="de-DE" sz="1400" dirty="0">
               <a:latin typeface="Calibri" pitchFamily="34" charset="0"/>
@@ -17288,9 +17555,27 @@
               <a:rPr lang="en-US" altLang="de-DE" sz="2200" dirty="0">
                 <a:latin typeface="Calibri" pitchFamily="34" charset="0"/>
               </a:rPr>
-              <a:t> Modell</a:t>
-            </a:r>
-            <a:endParaRPr lang="de-DE" altLang="de-DE" sz="2200" dirty="0">
+              <a:t> Modell </a:t>
+            </a:r>
+            <a:r>
+              <a:rPr lang="en-US" altLang="de-DE" sz="1200" dirty="0">
+                <a:latin typeface="Calibri" pitchFamily="34" charset="0"/>
+              </a:rPr>
+              <a:t>(De </a:t>
+            </a:r>
+            <a:r>
+              <a:rPr lang="en-US" altLang="de-DE" sz="1200" dirty="0" err="1">
+                <a:latin typeface="Calibri" pitchFamily="34" charset="0"/>
+              </a:rPr>
+              <a:t>Boeck</a:t>
+            </a:r>
+            <a:r>
+              <a:rPr lang="en-US" altLang="de-DE" sz="1200" dirty="0">
+                <a:latin typeface="Calibri" pitchFamily="34" charset="0"/>
+              </a:rPr>
+              <a:t> &amp; Wilson, 2004)</a:t>
+            </a:r>
+            <a:endParaRPr lang="de-DE" altLang="de-DE" sz="1200" dirty="0">
               <a:latin typeface="Calibri" pitchFamily="34" charset="0"/>
             </a:endParaRPr>
           </a:p>
@@ -19183,7 +19468,7 @@
           <a:graphicData uri="http://schemas.openxmlformats.org/presentationml/2006/ole">
             <mc:AlternateContent xmlns:mc="http://schemas.openxmlformats.org/markup-compatibility/2006">
               <mc:Choice xmlns:v="urn:schemas-microsoft-com:vml" Requires="v">
-                <p:oleObj spid="_x0000_s355360" name="Formel" r:id="rId4" imgW="1638300" imgH="228600" progId="Equation.3">
+                <p:oleObj spid="_x0000_s355368" name="Formel" r:id="rId4" imgW="1638300" imgH="228600" progId="Equation.3">
                   <p:embed/>
                 </p:oleObj>
               </mc:Choice>
@@ -19353,7 +19638,7 @@
           <a:graphicData uri="http://schemas.openxmlformats.org/presentationml/2006/ole">
             <mc:AlternateContent xmlns:mc="http://schemas.openxmlformats.org/markup-compatibility/2006">
               <mc:Choice xmlns:v="urn:schemas-microsoft-com:vml" Requires="v">
-                <p:oleObj spid="_x0000_s355361" r:id="rId6" imgW="2120900" imgH="444500" progId="Equation.3">
+                <p:oleObj spid="_x0000_s355369" r:id="rId6" imgW="2120900" imgH="444500" progId="Equation.3">
                   <p:embed/>
                 </p:oleObj>
               </mc:Choice>
@@ -19504,7 +19789,7 @@
           <a:graphicData uri="http://schemas.openxmlformats.org/presentationml/2006/ole">
             <mc:AlternateContent xmlns:mc="http://schemas.openxmlformats.org/markup-compatibility/2006">
               <mc:Choice xmlns:v="urn:schemas-microsoft-com:vml" Requires="v">
-                <p:oleObj spid="_x0000_s355362" r:id="rId8" imgW="2120900" imgH="444500" progId="Equation.3">
+                <p:oleObj spid="_x0000_s355370" r:id="rId8" imgW="2120900" imgH="444500" progId="Equation.3">
                   <p:embed/>
                 </p:oleObj>
               </mc:Choice>
@@ -19661,7 +19946,7 @@
           <a:graphicData uri="http://schemas.openxmlformats.org/presentationml/2006/ole">
             <mc:AlternateContent xmlns:mc="http://schemas.openxmlformats.org/markup-compatibility/2006">
               <mc:Choice xmlns:v="urn:schemas-microsoft-com:vml" Requires="v">
-                <p:oleObj spid="_x0000_s355363" r:id="rId9" imgW="914400" imgH="254000" progId="Equation.3">
+                <p:oleObj spid="_x0000_s355371" r:id="rId9" imgW="914400" imgH="254000" progId="Equation.3">
                   <p:embed/>
                 </p:oleObj>
               </mc:Choice>
@@ -22135,7 +22420,7 @@
           <a:graphicData uri="http://schemas.openxmlformats.org/presentationml/2006/ole">
             <mc:AlternateContent xmlns:mc="http://schemas.openxmlformats.org/markup-compatibility/2006">
               <mc:Choice xmlns:v="urn:schemas-microsoft-com:vml" Requires="v">
-                <p:oleObj spid="_x0000_s356369" r:id="rId4" imgW="800100" imgH="228600" progId="Equation.3">
+                <p:oleObj spid="_x0000_s356377" r:id="rId4" imgW="800100" imgH="228600" progId="Equation.3">
                   <p:embed/>
                 </p:oleObj>
               </mc:Choice>
@@ -22286,7 +22571,7 @@
           <a:graphicData uri="http://schemas.openxmlformats.org/presentationml/2006/ole">
             <mc:AlternateContent xmlns:mc="http://schemas.openxmlformats.org/markup-compatibility/2006">
               <mc:Choice xmlns:v="urn:schemas-microsoft-com:vml" Requires="v">
-                <p:oleObj spid="_x0000_s356370" r:id="rId6" imgW="1511300" imgH="482600" progId="Equation.3">
+                <p:oleObj spid="_x0000_s356378" r:id="rId6" imgW="1511300" imgH="482600" progId="Equation.3">
                   <p:embed/>
                 </p:oleObj>
               </mc:Choice>
@@ -22437,7 +22722,7 @@
           <a:graphicData uri="http://schemas.openxmlformats.org/presentationml/2006/ole">
             <mc:AlternateContent xmlns:mc="http://schemas.openxmlformats.org/markup-compatibility/2006">
               <mc:Choice xmlns:v="urn:schemas-microsoft-com:vml" Requires="v">
-                <p:oleObj spid="_x0000_s356371" r:id="rId8" imgW="1358900" imgH="228600" progId="Equation.3">
+                <p:oleObj spid="_x0000_s356379" r:id="rId8" imgW="1358900" imgH="228600" progId="Equation.3">
                   <p:embed/>
                 </p:oleObj>
               </mc:Choice>
@@ -22588,7 +22873,7 @@
           <a:graphicData uri="http://schemas.openxmlformats.org/presentationml/2006/ole">
             <mc:AlternateContent xmlns:mc="http://schemas.openxmlformats.org/markup-compatibility/2006">
               <mc:Choice xmlns:v="urn:schemas-microsoft-com:vml" Requires="v">
-                <p:oleObj spid="_x0000_s356372" r:id="rId10" imgW="1130300" imgH="228600" progId="Equation.3">
+                <p:oleObj spid="_x0000_s356380" r:id="rId10" imgW="1130300" imgH="228600" progId="Equation.3">
                   <p:embed/>
                 </p:oleObj>
               </mc:Choice>
@@ -24374,7 +24659,7 @@
           <a:graphicData uri="http://schemas.openxmlformats.org/presentationml/2006/ole">
             <mc:AlternateContent xmlns:mc="http://schemas.openxmlformats.org/markup-compatibility/2006">
               <mc:Choice xmlns:v="urn:schemas-microsoft-com:vml" Requires="v">
-                <p:oleObj spid="_x0000_s354331" name="Formel" r:id="rId4" imgW="1638300" imgH="228600" progId="Equation.3">
+                <p:oleObj spid="_x0000_s354337" name="Formel" r:id="rId4" imgW="1638300" imgH="228600" progId="Equation.3">
                   <p:embed/>
                 </p:oleObj>
               </mc:Choice>
@@ -24544,7 +24829,7 @@
           <a:graphicData uri="http://schemas.openxmlformats.org/presentationml/2006/ole">
             <mc:AlternateContent xmlns:mc="http://schemas.openxmlformats.org/markup-compatibility/2006">
               <mc:Choice xmlns:v="urn:schemas-microsoft-com:vml" Requires="v">
-                <p:oleObj spid="_x0000_s354332" r:id="rId6" imgW="876300" imgH="228600" progId="Equation.3">
+                <p:oleObj spid="_x0000_s354338" r:id="rId6" imgW="876300" imgH="228600" progId="Equation.3">
                   <p:embed/>
                 </p:oleObj>
               </mc:Choice>
@@ -24695,7 +24980,7 @@
           <a:graphicData uri="http://schemas.openxmlformats.org/presentationml/2006/ole">
             <mc:AlternateContent xmlns:mc="http://schemas.openxmlformats.org/markup-compatibility/2006">
               <mc:Choice xmlns:v="urn:schemas-microsoft-com:vml" Requires="v">
-                <p:oleObj spid="_x0000_s354333" r:id="rId8" imgW="876300" imgH="241300" progId="Equation.3">
+                <p:oleObj spid="_x0000_s354339" r:id="rId8" imgW="876300" imgH="241300" progId="Equation.3">
                   <p:embed/>
                 </p:oleObj>
               </mc:Choice>
@@ -25187,6 +25472,2656 @@
                                         </p:cTn>
                                         <p:tgtEl>
                                           <p:spTgt spid="16"/>
+                                        </p:tgtEl>
+                                        <p:attrNameLst>
+                                          <p:attrName>style.visibility</p:attrName>
+                                        </p:attrNameLst>
+                                      </p:cBhvr>
+                                      <p:to>
+                                        <p:strVal val="visible"/>
+                                      </p:to>
+                                    </p:set>
+                                  </p:childTnLst>
+                                </p:cTn>
+                              </p:par>
+                            </p:childTnLst>
+                          </p:cTn>
+                        </p:par>
+                      </p:childTnLst>
+                    </p:cTn>
+                  </p:par>
+                </p:childTnLst>
+              </p:cTn>
+              <p:prevCondLst>
+                <p:cond evt="onPrev" delay="0">
+                  <p:tgtEl>
+                    <p:sldTgt/>
+                  </p:tgtEl>
+                </p:cond>
+              </p:prevCondLst>
+              <p:nextCondLst>
+                <p:cond evt="onNext" delay="0">
+                  <p:tgtEl>
+                    <p:sldTgt/>
+                  </p:tgtEl>
+                </p:cond>
+              </p:nextCondLst>
+            </p:seq>
+          </p:childTnLst>
+        </p:cTn>
+      </p:par>
+    </p:tnLst>
+  </p:timing>
+</p:sld>
+</file>
+
+<file path=ppt/slides/slide6.xml><?xml version="1.0" encoding="utf-8"?>
+<p:sld xmlns:a="http://schemas.openxmlformats.org/drawingml/2006/main" xmlns:r="http://schemas.openxmlformats.org/officeDocument/2006/relationships" xmlns:p="http://schemas.openxmlformats.org/presentationml/2006/main">
+  <p:cSld>
+    <p:spTree>
+      <p:nvGrpSpPr>
+        <p:cNvPr id="1" name=""/>
+        <p:cNvGrpSpPr/>
+        <p:nvPr/>
+      </p:nvGrpSpPr>
+      <p:grpSpPr>
+        <a:xfrm>
+          <a:off x="0" y="0"/>
+          <a:ext cx="0" cy="0"/>
+          <a:chOff x="0" y="0"/>
+          <a:chExt cx="0" cy="0"/>
+        </a:xfrm>
+      </p:grpSpPr>
+      <p:sp>
+        <p:nvSpPr>
+          <p:cNvPr id="263170" name="Rectangle 2"/>
+          <p:cNvSpPr>
+            <a:spLocks noGrp="1" noChangeArrowheads="1"/>
+          </p:cNvSpPr>
+          <p:nvPr>
+            <p:ph type="title" idx="4294967295"/>
+          </p:nvPr>
+        </p:nvSpPr>
+        <p:spPr bwMode="auto">
+          <a:xfrm>
+            <a:off x="457200" y="333375"/>
+            <a:ext cx="7354888" cy="431800"/>
+          </a:xfrm>
+          <a:prstGeom prst="rect">
+            <a:avLst/>
+          </a:prstGeom>
+          <a:noFill/>
+          <a:ln/>
+          <a:extLst>
+            <a:ext uri="{909E8E84-426E-40DD-AFC4-6F175D3DCCD1}">
+              <a14:hiddenFill xmlns:a14="http://schemas.microsoft.com/office/drawing/2010/main">
+                <a:solidFill>
+                  <a:srgbClr val="FFFFFF"/>
+                </a:solidFill>
+              </a14:hiddenFill>
+            </a:ext>
+            <a:ext uri="{91240B29-F687-4F45-9708-019B960494DF}">
+              <a14:hiddenLine xmlns:a14="http://schemas.microsoft.com/office/drawing/2010/main" w="9525">
+                <a:solidFill>
+                  <a:srgbClr val="000000"/>
+                </a:solidFill>
+                <a:miter lim="800000"/>
+                <a:headEnd/>
+                <a:tailEnd/>
+              </a14:hiddenLine>
+            </a:ext>
+          </a:extLst>
+        </p:spPr>
+        <p:txBody>
+          <a:bodyPr/>
+          <a:lstStyle/>
+          <a:p>
+            <a:r>
+              <a:rPr lang="en-US" altLang="de-DE" sz="2200" dirty="0" err="1">
+                <a:latin typeface="Calibri" pitchFamily="34" charset="0"/>
+              </a:rPr>
+              <a:t>Gütekriterien</a:t>
+            </a:r>
+            <a:endParaRPr lang="de-DE" altLang="de-DE" sz="2200" dirty="0">
+              <a:latin typeface="Calibri" pitchFamily="34" charset="0"/>
+            </a:endParaRPr>
+          </a:p>
+        </p:txBody>
+      </p:sp>
+      <p:sp>
+        <p:nvSpPr>
+          <p:cNvPr id="5" name="Rectangle 2"/>
+          <p:cNvSpPr txBox="1">
+            <a:spLocks noChangeArrowheads="1"/>
+          </p:cNvSpPr>
+          <p:nvPr/>
+        </p:nvSpPr>
+        <p:spPr>
+          <a:xfrm>
+            <a:off x="4572000" y="0"/>
+            <a:ext cx="4572000" cy="352425"/>
+          </a:xfrm>
+          <a:prstGeom prst="rect">
+            <a:avLst/>
+          </a:prstGeom>
+        </p:spPr>
+        <p:txBody>
+          <a:bodyPr/>
+          <a:lstStyle>
+            <a:lvl1pPr eaLnBrk="0" hangingPunct="0">
+              <a:defRPr sz="2000">
+                <a:solidFill>
+                  <a:schemeClr val="tx1"/>
+                </a:solidFill>
+                <a:latin typeface="Times New Roman" pitchFamily="18" charset="0"/>
+              </a:defRPr>
+            </a:lvl1pPr>
+            <a:lvl2pPr marL="742950" indent="-285750" eaLnBrk="0" hangingPunct="0">
+              <a:defRPr sz="2000">
+                <a:solidFill>
+                  <a:schemeClr val="tx1"/>
+                </a:solidFill>
+                <a:latin typeface="Times New Roman" pitchFamily="18" charset="0"/>
+              </a:defRPr>
+            </a:lvl2pPr>
+            <a:lvl3pPr marL="1143000" indent="-228600" eaLnBrk="0" hangingPunct="0">
+              <a:defRPr sz="2000">
+                <a:solidFill>
+                  <a:schemeClr val="tx1"/>
+                </a:solidFill>
+                <a:latin typeface="Times New Roman" pitchFamily="18" charset="0"/>
+              </a:defRPr>
+            </a:lvl3pPr>
+            <a:lvl4pPr marL="1600200" indent="-228600" eaLnBrk="0" hangingPunct="0">
+              <a:defRPr sz="2000">
+                <a:solidFill>
+                  <a:schemeClr val="tx1"/>
+                </a:solidFill>
+                <a:latin typeface="Times New Roman" pitchFamily="18" charset="0"/>
+              </a:defRPr>
+            </a:lvl4pPr>
+            <a:lvl5pPr marL="2057400" indent="-228600" eaLnBrk="0" hangingPunct="0">
+              <a:defRPr sz="2000">
+                <a:solidFill>
+                  <a:schemeClr val="tx1"/>
+                </a:solidFill>
+                <a:latin typeface="Times New Roman" pitchFamily="18" charset="0"/>
+              </a:defRPr>
+            </a:lvl5pPr>
+            <a:lvl6pPr marL="2514600" indent="-228600" eaLnBrk="0" fontAlgn="base" hangingPunct="0">
+              <a:spcBef>
+                <a:spcPct val="0"/>
+              </a:spcBef>
+              <a:spcAft>
+                <a:spcPct val="0"/>
+              </a:spcAft>
+              <a:defRPr sz="2000">
+                <a:solidFill>
+                  <a:schemeClr val="tx1"/>
+                </a:solidFill>
+                <a:latin typeface="Times New Roman" pitchFamily="18" charset="0"/>
+              </a:defRPr>
+            </a:lvl6pPr>
+            <a:lvl7pPr marL="2971800" indent="-228600" eaLnBrk="0" fontAlgn="base" hangingPunct="0">
+              <a:spcBef>
+                <a:spcPct val="0"/>
+              </a:spcBef>
+              <a:spcAft>
+                <a:spcPct val="0"/>
+              </a:spcAft>
+              <a:defRPr sz="2000">
+                <a:solidFill>
+                  <a:schemeClr val="tx1"/>
+                </a:solidFill>
+                <a:latin typeface="Times New Roman" pitchFamily="18" charset="0"/>
+              </a:defRPr>
+            </a:lvl7pPr>
+            <a:lvl8pPr marL="3429000" indent="-228600" eaLnBrk="0" fontAlgn="base" hangingPunct="0">
+              <a:spcBef>
+                <a:spcPct val="0"/>
+              </a:spcBef>
+              <a:spcAft>
+                <a:spcPct val="0"/>
+              </a:spcAft>
+              <a:defRPr sz="2000">
+                <a:solidFill>
+                  <a:schemeClr val="tx1"/>
+                </a:solidFill>
+                <a:latin typeface="Times New Roman" pitchFamily="18" charset="0"/>
+              </a:defRPr>
+            </a:lvl8pPr>
+            <a:lvl9pPr marL="3886200" indent="-228600" eaLnBrk="0" fontAlgn="base" hangingPunct="0">
+              <a:spcBef>
+                <a:spcPct val="0"/>
+              </a:spcBef>
+              <a:spcAft>
+                <a:spcPct val="0"/>
+              </a:spcAft>
+              <a:defRPr sz="2000">
+                <a:solidFill>
+                  <a:schemeClr val="tx1"/>
+                </a:solidFill>
+                <a:latin typeface="Times New Roman" pitchFamily="18" charset="0"/>
+              </a:defRPr>
+            </a:lvl9pPr>
+          </a:lstStyle>
+          <a:p>
+            <a:r>
+              <a:rPr lang="de-DE" altLang="de-DE" sz="1200" b="1">
+                <a:solidFill>
+                  <a:srgbClr val="8E0000"/>
+                </a:solidFill>
+                <a:latin typeface="Calibri" pitchFamily="34" charset="0"/>
+              </a:rPr>
+              <a:t>Einleitung</a:t>
+            </a:r>
+          </a:p>
+        </p:txBody>
+      </p:sp>
+      <p:sp>
+        <p:nvSpPr>
+          <p:cNvPr id="4" name="Rectangle 3"/>
+          <p:cNvSpPr txBox="1">
+            <a:spLocks noChangeArrowheads="1"/>
+          </p:cNvSpPr>
+          <p:nvPr/>
+        </p:nvSpPr>
+        <p:spPr>
+          <a:xfrm>
+            <a:off x="476250" y="1052736"/>
+            <a:ext cx="8424863" cy="5472113"/>
+          </a:xfrm>
+          <a:prstGeom prst="rect">
+            <a:avLst/>
+          </a:prstGeom>
+          <a:ln>
+            <a:noFill/>
+          </a:ln>
+        </p:spPr>
+        <p:txBody>
+          <a:bodyPr/>
+          <a:lstStyle>
+            <a:lvl1pPr marL="342900" indent="-342900" eaLnBrk="0" hangingPunct="0">
+              <a:defRPr sz="2000">
+                <a:solidFill>
+                  <a:schemeClr val="tx1"/>
+                </a:solidFill>
+                <a:latin typeface="Times New Roman" pitchFamily="18" charset="0"/>
+              </a:defRPr>
+            </a:lvl1pPr>
+            <a:lvl2pPr marL="742950" indent="-285750" eaLnBrk="0" hangingPunct="0">
+              <a:defRPr sz="2000">
+                <a:solidFill>
+                  <a:schemeClr val="tx1"/>
+                </a:solidFill>
+                <a:latin typeface="Times New Roman" pitchFamily="18" charset="0"/>
+              </a:defRPr>
+            </a:lvl2pPr>
+            <a:lvl3pPr marL="1143000" indent="-228600" eaLnBrk="0" hangingPunct="0">
+              <a:defRPr sz="2000">
+                <a:solidFill>
+                  <a:schemeClr val="tx1"/>
+                </a:solidFill>
+                <a:latin typeface="Times New Roman" pitchFamily="18" charset="0"/>
+              </a:defRPr>
+            </a:lvl3pPr>
+            <a:lvl4pPr marL="1600200" indent="-228600" eaLnBrk="0" hangingPunct="0">
+              <a:defRPr sz="2000">
+                <a:solidFill>
+                  <a:schemeClr val="tx1"/>
+                </a:solidFill>
+                <a:latin typeface="Times New Roman" pitchFamily="18" charset="0"/>
+              </a:defRPr>
+            </a:lvl4pPr>
+            <a:lvl5pPr marL="2057400" indent="-228600" eaLnBrk="0" hangingPunct="0">
+              <a:defRPr sz="2000">
+                <a:solidFill>
+                  <a:schemeClr val="tx1"/>
+                </a:solidFill>
+                <a:latin typeface="Times New Roman" pitchFamily="18" charset="0"/>
+              </a:defRPr>
+            </a:lvl5pPr>
+            <a:lvl6pPr marL="2514600" indent="-228600" eaLnBrk="0" fontAlgn="base" hangingPunct="0">
+              <a:spcBef>
+                <a:spcPct val="0"/>
+              </a:spcBef>
+              <a:spcAft>
+                <a:spcPct val="0"/>
+              </a:spcAft>
+              <a:defRPr sz="2000">
+                <a:solidFill>
+                  <a:schemeClr val="tx1"/>
+                </a:solidFill>
+                <a:latin typeface="Times New Roman" pitchFamily="18" charset="0"/>
+              </a:defRPr>
+            </a:lvl6pPr>
+            <a:lvl7pPr marL="2971800" indent="-228600" eaLnBrk="0" fontAlgn="base" hangingPunct="0">
+              <a:spcBef>
+                <a:spcPct val="0"/>
+              </a:spcBef>
+              <a:spcAft>
+                <a:spcPct val="0"/>
+              </a:spcAft>
+              <a:defRPr sz="2000">
+                <a:solidFill>
+                  <a:schemeClr val="tx1"/>
+                </a:solidFill>
+                <a:latin typeface="Times New Roman" pitchFamily="18" charset="0"/>
+              </a:defRPr>
+            </a:lvl7pPr>
+            <a:lvl8pPr marL="3429000" indent="-228600" eaLnBrk="0" fontAlgn="base" hangingPunct="0">
+              <a:spcBef>
+                <a:spcPct val="0"/>
+              </a:spcBef>
+              <a:spcAft>
+                <a:spcPct val="0"/>
+              </a:spcAft>
+              <a:defRPr sz="2000">
+                <a:solidFill>
+                  <a:schemeClr val="tx1"/>
+                </a:solidFill>
+                <a:latin typeface="Times New Roman" pitchFamily="18" charset="0"/>
+              </a:defRPr>
+            </a:lvl8pPr>
+            <a:lvl9pPr marL="3886200" indent="-228600" eaLnBrk="0" fontAlgn="base" hangingPunct="0">
+              <a:spcBef>
+                <a:spcPct val="0"/>
+              </a:spcBef>
+              <a:spcAft>
+                <a:spcPct val="0"/>
+              </a:spcAft>
+              <a:defRPr sz="2000">
+                <a:solidFill>
+                  <a:schemeClr val="tx1"/>
+                </a:solidFill>
+                <a:latin typeface="Times New Roman" pitchFamily="18" charset="0"/>
+              </a:defRPr>
+            </a:lvl9pPr>
+          </a:lstStyle>
+          <a:p>
+            <a:pPr>
+              <a:lnSpc>
+                <a:spcPct val="114000"/>
+              </a:lnSpc>
+              <a:spcBef>
+                <a:spcPts val="600"/>
+              </a:spcBef>
+              <a:buFontTx/>
+              <a:buChar char="•"/>
+            </a:pPr>
+            <a:r>
+              <a:rPr lang="en-US" altLang="de-DE" sz="1800" dirty="0" err="1">
+                <a:solidFill>
+                  <a:srgbClr val="8E0000"/>
+                </a:solidFill>
+                <a:latin typeface="Calibri" pitchFamily="34" charset="0"/>
+              </a:rPr>
+              <a:t>Raschmodell</a:t>
+            </a:r>
+            <a:r>
+              <a:rPr lang="en-US" altLang="de-DE" sz="1800" dirty="0">
+                <a:solidFill>
+                  <a:srgbClr val="8E0000"/>
+                </a:solidFill>
+                <a:latin typeface="Calibri" pitchFamily="34" charset="0"/>
+              </a:rPr>
+              <a:t> vs. GLMM</a:t>
+            </a:r>
+          </a:p>
+          <a:p>
+            <a:pPr lvl="1">
+              <a:lnSpc>
+                <a:spcPct val="114000"/>
+              </a:lnSpc>
+              <a:spcBef>
+                <a:spcPts val="600"/>
+              </a:spcBef>
+              <a:buClr>
+                <a:srgbClr val="A61B1E"/>
+              </a:buClr>
+              <a:buFontTx/>
+              <a:buChar char="–"/>
+            </a:pPr>
+            <a:r>
+              <a:rPr lang="en-US" altLang="de-DE" sz="1400" b="1" dirty="0" err="1">
+                <a:latin typeface="Calibri" pitchFamily="34" charset="0"/>
+              </a:rPr>
+              <a:t>Empfehlung</a:t>
+            </a:r>
+            <a:r>
+              <a:rPr lang="en-US" altLang="de-DE" sz="1400" b="1" dirty="0">
+                <a:latin typeface="Calibri" pitchFamily="34" charset="0"/>
+              </a:rPr>
+              <a:t>: </a:t>
+            </a:r>
+            <a:r>
+              <a:rPr lang="en-US" altLang="de-DE" sz="1400" b="1" dirty="0" err="1">
+                <a:latin typeface="Calibri" pitchFamily="34" charset="0"/>
+              </a:rPr>
+              <a:t>mehrschrittiges</a:t>
+            </a:r>
+            <a:r>
+              <a:rPr lang="en-US" altLang="de-DE" sz="1400" b="1" dirty="0">
+                <a:latin typeface="Calibri" pitchFamily="34" charset="0"/>
+              </a:rPr>
+              <a:t> </a:t>
+            </a:r>
+            <a:r>
+              <a:rPr lang="en-US" altLang="de-DE" sz="1400" b="1" dirty="0" err="1">
+                <a:latin typeface="Calibri" pitchFamily="34" charset="0"/>
+              </a:rPr>
+              <a:t>Vorgehen</a:t>
+            </a:r>
+            <a:r>
+              <a:rPr lang="en-US" altLang="de-DE" sz="1400" b="1" dirty="0">
+                <a:latin typeface="Calibri" pitchFamily="34" charset="0"/>
+              </a:rPr>
+              <a:t> </a:t>
+            </a:r>
+          </a:p>
+          <a:p>
+            <a:pPr lvl="1">
+              <a:lnSpc>
+                <a:spcPct val="114000"/>
+              </a:lnSpc>
+              <a:spcBef>
+                <a:spcPts val="600"/>
+              </a:spcBef>
+              <a:buClr>
+                <a:srgbClr val="A61B1E"/>
+              </a:buClr>
+              <a:buFontTx/>
+              <a:buChar char="–"/>
+            </a:pPr>
+            <a:r>
+              <a:rPr lang="en-US" altLang="de-DE" sz="1400" dirty="0" err="1">
+                <a:latin typeface="Calibri" pitchFamily="34" charset="0"/>
+              </a:rPr>
+              <a:t>Raschmodell</a:t>
+            </a:r>
+            <a:r>
+              <a:rPr lang="en-US" altLang="de-DE" sz="1400" dirty="0">
+                <a:latin typeface="Calibri" pitchFamily="34" charset="0"/>
+              </a:rPr>
+              <a:t>, um die </a:t>
+            </a:r>
+            <a:r>
+              <a:rPr lang="en-US" altLang="de-DE" sz="1400" dirty="0" err="1">
+                <a:latin typeface="Calibri" pitchFamily="34" charset="0"/>
+              </a:rPr>
+              <a:t>Eignung</a:t>
+            </a:r>
+            <a:r>
+              <a:rPr lang="en-US" altLang="de-DE" sz="1400" dirty="0">
+                <a:latin typeface="Calibri" pitchFamily="34" charset="0"/>
+              </a:rPr>
+              <a:t> der Items </a:t>
+            </a:r>
+            <a:r>
+              <a:rPr lang="en-US" altLang="de-DE" sz="1400" dirty="0" err="1">
+                <a:latin typeface="Calibri" pitchFamily="34" charset="0"/>
+              </a:rPr>
+              <a:t>für</a:t>
+            </a:r>
+            <a:r>
+              <a:rPr lang="en-US" altLang="de-DE" sz="1400" dirty="0">
+                <a:latin typeface="Calibri" pitchFamily="34" charset="0"/>
+              </a:rPr>
+              <a:t> die </a:t>
+            </a:r>
+            <a:r>
+              <a:rPr lang="en-US" altLang="de-DE" sz="1400" dirty="0" err="1">
+                <a:latin typeface="Calibri" pitchFamily="34" charset="0"/>
+              </a:rPr>
+              <a:t>intendierte</a:t>
+            </a:r>
+            <a:r>
+              <a:rPr lang="en-US" altLang="de-DE" sz="1400" dirty="0">
+                <a:latin typeface="Calibri" pitchFamily="34" charset="0"/>
+              </a:rPr>
+              <a:t> </a:t>
+            </a:r>
+            <a:r>
+              <a:rPr lang="en-US" altLang="de-DE" sz="1400" dirty="0" err="1">
+                <a:latin typeface="Calibri" pitchFamily="34" charset="0"/>
+              </a:rPr>
+              <a:t>Untersuchung</a:t>
+            </a:r>
+            <a:r>
+              <a:rPr lang="en-US" altLang="de-DE" sz="1400" dirty="0">
+                <a:latin typeface="Calibri" pitchFamily="34" charset="0"/>
+              </a:rPr>
+              <a:t> </a:t>
+            </a:r>
+            <a:r>
+              <a:rPr lang="en-US" altLang="de-DE" sz="1400" dirty="0" err="1">
+                <a:latin typeface="Calibri" pitchFamily="34" charset="0"/>
+              </a:rPr>
+              <a:t>zu</a:t>
+            </a:r>
+            <a:r>
+              <a:rPr lang="en-US" altLang="de-DE" sz="1400" dirty="0">
+                <a:latin typeface="Calibri" pitchFamily="34" charset="0"/>
+              </a:rPr>
+              <a:t> </a:t>
+            </a:r>
+            <a:r>
+              <a:rPr lang="en-US" altLang="de-DE" sz="1400" dirty="0" err="1">
+                <a:latin typeface="Calibri" pitchFamily="34" charset="0"/>
+              </a:rPr>
+              <a:t>prüfen</a:t>
+            </a:r>
+            <a:r>
+              <a:rPr lang="en-US" altLang="de-DE" sz="1400" dirty="0">
+                <a:latin typeface="Calibri" pitchFamily="34" charset="0"/>
+              </a:rPr>
+              <a:t> </a:t>
+            </a:r>
+          </a:p>
+          <a:p>
+            <a:pPr lvl="1">
+              <a:lnSpc>
+                <a:spcPct val="114000"/>
+              </a:lnSpc>
+              <a:spcBef>
+                <a:spcPts val="600"/>
+              </a:spcBef>
+              <a:buClr>
+                <a:srgbClr val="A61B1E"/>
+              </a:buClr>
+              <a:buFontTx/>
+              <a:buChar char="–"/>
+            </a:pPr>
+            <a:r>
+              <a:rPr lang="en-US" altLang="de-DE" sz="1400" dirty="0">
+                <a:latin typeface="Calibri" pitchFamily="34" charset="0"/>
+              </a:rPr>
+              <a:t>GLMM </a:t>
+            </a:r>
+            <a:r>
+              <a:rPr lang="en-US" altLang="de-DE" sz="1400" dirty="0" err="1">
+                <a:latin typeface="Calibri" pitchFamily="34" charset="0"/>
+              </a:rPr>
+              <a:t>für</a:t>
+            </a:r>
+            <a:r>
+              <a:rPr lang="en-US" altLang="de-DE" sz="1400" dirty="0">
+                <a:latin typeface="Calibri" pitchFamily="34" charset="0"/>
+              </a:rPr>
+              <a:t> die </a:t>
+            </a:r>
+            <a:r>
+              <a:rPr lang="en-US" altLang="de-DE" sz="1400" dirty="0" err="1">
+                <a:latin typeface="Calibri" pitchFamily="34" charset="0"/>
+              </a:rPr>
+              <a:t>Überprüfung</a:t>
+            </a:r>
+            <a:r>
+              <a:rPr lang="en-US" altLang="de-DE" sz="1400" dirty="0">
+                <a:latin typeface="Calibri" pitchFamily="34" charset="0"/>
+              </a:rPr>
+              <a:t> der </a:t>
+            </a:r>
+            <a:r>
+              <a:rPr lang="en-US" altLang="de-DE" sz="1400" dirty="0" err="1">
+                <a:latin typeface="Calibri" pitchFamily="34" charset="0"/>
+              </a:rPr>
+              <a:t>konkreten</a:t>
+            </a:r>
+            <a:r>
+              <a:rPr lang="en-US" altLang="de-DE" sz="1400" dirty="0">
+                <a:latin typeface="Calibri" pitchFamily="34" charset="0"/>
+              </a:rPr>
+              <a:t> </a:t>
+            </a:r>
+            <a:r>
+              <a:rPr lang="en-US" altLang="de-DE" sz="1400" dirty="0" err="1">
+                <a:latin typeface="Calibri" pitchFamily="34" charset="0"/>
+              </a:rPr>
+              <a:t>Forschungshypothesen</a:t>
+            </a:r>
+            <a:endParaRPr lang="en-US" altLang="de-DE" sz="1400" dirty="0">
+              <a:latin typeface="Calibri" pitchFamily="34" charset="0"/>
+            </a:endParaRPr>
+          </a:p>
+          <a:p>
+            <a:pPr lvl="1">
+              <a:lnSpc>
+                <a:spcPct val="114000"/>
+              </a:lnSpc>
+              <a:spcBef>
+                <a:spcPts val="600"/>
+              </a:spcBef>
+              <a:buClr>
+                <a:srgbClr val="A61B1E"/>
+              </a:buClr>
+              <a:buFontTx/>
+              <a:buChar char="–"/>
+            </a:pPr>
+            <a:endParaRPr lang="en-US" altLang="de-DE" sz="1400" dirty="0">
+              <a:latin typeface="Calibri" pitchFamily="34" charset="0"/>
+            </a:endParaRPr>
+          </a:p>
+          <a:p>
+            <a:pPr>
+              <a:lnSpc>
+                <a:spcPct val="114000"/>
+              </a:lnSpc>
+              <a:spcBef>
+                <a:spcPts val="600"/>
+              </a:spcBef>
+              <a:buFontTx/>
+              <a:buChar char="•"/>
+            </a:pPr>
+            <a:r>
+              <a:rPr lang="en-US" altLang="de-DE" sz="1800" dirty="0" err="1">
+                <a:solidFill>
+                  <a:srgbClr val="8E0000"/>
+                </a:solidFill>
+                <a:latin typeface="Calibri" pitchFamily="34" charset="0"/>
+              </a:rPr>
+              <a:t>Eignung</a:t>
+            </a:r>
+            <a:r>
+              <a:rPr lang="en-US" altLang="de-DE" sz="1800" dirty="0">
+                <a:solidFill>
+                  <a:srgbClr val="8E0000"/>
+                </a:solidFill>
+                <a:latin typeface="Calibri" pitchFamily="34" charset="0"/>
+              </a:rPr>
+              <a:t> des </a:t>
+            </a:r>
+            <a:r>
+              <a:rPr lang="en-US" altLang="de-DE" sz="1800" dirty="0" err="1">
+                <a:solidFill>
+                  <a:srgbClr val="8E0000"/>
+                </a:solidFill>
+                <a:latin typeface="Calibri" pitchFamily="34" charset="0"/>
+              </a:rPr>
+              <a:t>Modells</a:t>
+            </a:r>
+            <a:r>
+              <a:rPr lang="en-US" altLang="de-DE" sz="1800" dirty="0">
+                <a:solidFill>
+                  <a:srgbClr val="8E0000"/>
+                </a:solidFill>
+                <a:latin typeface="Calibri" pitchFamily="34" charset="0"/>
+              </a:rPr>
+              <a:t>: </a:t>
+            </a:r>
+            <a:r>
+              <a:rPr lang="en-US" altLang="de-DE" sz="1800" dirty="0" err="1">
+                <a:solidFill>
+                  <a:srgbClr val="8E0000"/>
+                </a:solidFill>
+                <a:latin typeface="Calibri" pitchFamily="34" charset="0"/>
+              </a:rPr>
+              <a:t>Gütekriterien</a:t>
+            </a:r>
+            <a:r>
+              <a:rPr lang="en-US" altLang="de-DE" sz="1800" dirty="0">
+                <a:solidFill>
+                  <a:srgbClr val="8E0000"/>
+                </a:solidFill>
+                <a:latin typeface="Calibri" pitchFamily="34" charset="0"/>
+              </a:rPr>
+              <a:t> </a:t>
+            </a:r>
+          </a:p>
+          <a:p>
+            <a:pPr lvl="1">
+              <a:lnSpc>
+                <a:spcPct val="114000"/>
+              </a:lnSpc>
+              <a:spcBef>
+                <a:spcPts val="600"/>
+              </a:spcBef>
+              <a:buClr>
+                <a:srgbClr val="A61B1E"/>
+              </a:buClr>
+              <a:buFontTx/>
+              <a:buChar char="–"/>
+            </a:pPr>
+            <a:r>
+              <a:rPr lang="en-US" altLang="de-DE" sz="1400" dirty="0" err="1">
+                <a:latin typeface="Calibri" pitchFamily="34" charset="0"/>
+              </a:rPr>
+              <a:t>Reliabilität</a:t>
+            </a:r>
+            <a:r>
+              <a:rPr lang="en-US" altLang="de-DE" sz="1400" dirty="0">
+                <a:latin typeface="Calibri" pitchFamily="34" charset="0"/>
+              </a:rPr>
+              <a:t>: da IRT “</a:t>
+            </a:r>
+            <a:r>
+              <a:rPr lang="en-US" altLang="de-DE" sz="1400" dirty="0" err="1">
+                <a:latin typeface="Calibri" pitchFamily="34" charset="0"/>
+              </a:rPr>
+              <a:t>itembasiert</a:t>
+            </a:r>
+            <a:r>
+              <a:rPr lang="en-US" altLang="de-DE" sz="1400" dirty="0">
+                <a:latin typeface="Calibri" pitchFamily="34" charset="0"/>
+              </a:rPr>
+              <a:t>” </a:t>
+            </a:r>
+            <a:r>
+              <a:rPr lang="en-US" altLang="de-DE" sz="1400" dirty="0" err="1">
+                <a:latin typeface="Calibri" pitchFamily="34" charset="0"/>
+              </a:rPr>
+              <a:t>ist</a:t>
+            </a:r>
+            <a:r>
+              <a:rPr lang="en-US" altLang="de-DE" sz="1400" dirty="0">
+                <a:latin typeface="Calibri" pitchFamily="34" charset="0"/>
+              </a:rPr>
+              <a:t>, </a:t>
+            </a:r>
+            <a:r>
+              <a:rPr lang="en-US" altLang="de-DE" sz="1400" dirty="0" err="1">
+                <a:latin typeface="Calibri" pitchFamily="34" charset="0"/>
+              </a:rPr>
+              <a:t>hängt</a:t>
+            </a:r>
+            <a:r>
+              <a:rPr lang="en-US" altLang="de-DE" sz="1400" dirty="0">
+                <a:latin typeface="Calibri" pitchFamily="34" charset="0"/>
+              </a:rPr>
+              <a:t> </a:t>
+            </a:r>
+            <a:r>
+              <a:rPr lang="en-US" altLang="de-DE" sz="1400" dirty="0" err="1">
+                <a:latin typeface="Calibri" pitchFamily="34" charset="0"/>
+              </a:rPr>
+              <a:t>Reliabilität</a:t>
+            </a:r>
+            <a:r>
+              <a:rPr lang="en-US" altLang="de-DE" sz="1400" dirty="0">
+                <a:latin typeface="Calibri" pitchFamily="34" charset="0"/>
+              </a:rPr>
+              <a:t> (</a:t>
+            </a:r>
+            <a:r>
+              <a:rPr lang="en-US" altLang="de-DE" sz="1400" dirty="0" err="1">
+                <a:latin typeface="Calibri" pitchFamily="34" charset="0"/>
+              </a:rPr>
+              <a:t>notwendig</a:t>
+            </a:r>
+            <a:r>
+              <a:rPr lang="en-US" altLang="de-DE" sz="1400" dirty="0">
+                <a:latin typeface="Calibri" pitchFamily="34" charset="0"/>
+              </a:rPr>
+              <a:t>, </a:t>
+            </a:r>
+            <a:r>
+              <a:rPr lang="en-US" altLang="de-DE" sz="1400" dirty="0" err="1">
+                <a:latin typeface="Calibri" pitchFamily="34" charset="0"/>
+              </a:rPr>
+              <a:t>aber</a:t>
+            </a:r>
+            <a:r>
+              <a:rPr lang="en-US" altLang="de-DE" sz="1400" dirty="0">
+                <a:latin typeface="Calibri" pitchFamily="34" charset="0"/>
+              </a:rPr>
+              <a:t> </a:t>
+            </a:r>
+            <a:r>
+              <a:rPr lang="en-US" altLang="de-DE" sz="1400" dirty="0" err="1">
+                <a:latin typeface="Calibri" pitchFamily="34" charset="0"/>
+              </a:rPr>
+              <a:t>nicht</a:t>
+            </a:r>
+            <a:r>
+              <a:rPr lang="en-US" altLang="de-DE" sz="1400" dirty="0">
+                <a:latin typeface="Calibri" pitchFamily="34" charset="0"/>
+              </a:rPr>
+              <a:t> </a:t>
+            </a:r>
+            <a:r>
+              <a:rPr lang="en-US" altLang="de-DE" sz="1400" dirty="0" err="1">
+                <a:latin typeface="Calibri" pitchFamily="34" charset="0"/>
+              </a:rPr>
+              <a:t>hinreichend</a:t>
+            </a:r>
+            <a:r>
+              <a:rPr lang="en-US" altLang="de-DE" sz="1400" dirty="0">
+                <a:latin typeface="Calibri" pitchFamily="34" charset="0"/>
+              </a:rPr>
+              <a:t>) von </a:t>
+            </a:r>
+            <a:r>
+              <a:rPr lang="en-US" altLang="de-DE" sz="1400" dirty="0" err="1">
+                <a:latin typeface="Calibri" pitchFamily="34" charset="0"/>
+              </a:rPr>
+              <a:t>Itemeigenschaften</a:t>
+            </a:r>
+            <a:r>
+              <a:rPr lang="en-US" altLang="de-DE" sz="1400" dirty="0">
+                <a:latin typeface="Calibri" pitchFamily="34" charset="0"/>
+              </a:rPr>
+              <a:t> ab</a:t>
+            </a:r>
+          </a:p>
+          <a:p>
+            <a:pPr lvl="2">
+              <a:lnSpc>
+                <a:spcPct val="114000"/>
+              </a:lnSpc>
+              <a:spcBef>
+                <a:spcPts val="600"/>
+              </a:spcBef>
+              <a:buClr>
+                <a:srgbClr val="A61B1E"/>
+              </a:buClr>
+              <a:buFontTx/>
+              <a:buChar char="–"/>
+            </a:pPr>
+            <a:r>
+              <a:rPr lang="en-US" altLang="de-DE" sz="1400" dirty="0" err="1">
+                <a:latin typeface="Calibri" pitchFamily="34" charset="0"/>
+              </a:rPr>
+              <a:t>Passung</a:t>
+            </a:r>
+            <a:r>
+              <a:rPr lang="en-US" altLang="de-DE" sz="1400" dirty="0">
+                <a:latin typeface="Calibri" pitchFamily="34" charset="0"/>
+              </a:rPr>
+              <a:t> (Fit)</a:t>
+            </a:r>
+          </a:p>
+          <a:p>
+            <a:pPr lvl="2">
+              <a:lnSpc>
+                <a:spcPct val="114000"/>
+              </a:lnSpc>
+              <a:spcBef>
+                <a:spcPts val="600"/>
+              </a:spcBef>
+              <a:buClr>
+                <a:srgbClr val="A61B1E"/>
+              </a:buClr>
+              <a:buFontTx/>
+              <a:buChar char="–"/>
+            </a:pPr>
+            <a:r>
+              <a:rPr lang="en-US" altLang="de-DE" sz="1400" dirty="0" err="1">
+                <a:latin typeface="Calibri" pitchFamily="34" charset="0"/>
+              </a:rPr>
+              <a:t>Lokale</a:t>
+            </a:r>
+            <a:r>
+              <a:rPr lang="en-US" altLang="de-DE" sz="1400" dirty="0">
+                <a:latin typeface="Calibri" pitchFamily="34" charset="0"/>
+              </a:rPr>
+              <a:t> </a:t>
+            </a:r>
+            <a:r>
+              <a:rPr lang="en-US" altLang="de-DE" sz="1400" dirty="0" err="1">
+                <a:latin typeface="Calibri" pitchFamily="34" charset="0"/>
+              </a:rPr>
+              <a:t>stochastische</a:t>
+            </a:r>
+            <a:r>
+              <a:rPr lang="en-US" altLang="de-DE" sz="1400" dirty="0">
+                <a:latin typeface="Calibri" pitchFamily="34" charset="0"/>
+              </a:rPr>
+              <a:t> </a:t>
+            </a:r>
+            <a:r>
+              <a:rPr lang="en-US" altLang="de-DE" sz="1400" dirty="0" err="1">
+                <a:latin typeface="Calibri" pitchFamily="34" charset="0"/>
+              </a:rPr>
+              <a:t>Unabhängigkeit</a:t>
+            </a:r>
+            <a:endParaRPr lang="en-US" altLang="de-DE" sz="1400" dirty="0">
+              <a:latin typeface="Calibri" pitchFamily="34" charset="0"/>
+            </a:endParaRPr>
+          </a:p>
+          <a:p>
+            <a:pPr lvl="2">
+              <a:lnSpc>
+                <a:spcPct val="114000"/>
+              </a:lnSpc>
+              <a:spcBef>
+                <a:spcPts val="600"/>
+              </a:spcBef>
+              <a:buClr>
+                <a:srgbClr val="A61B1E"/>
+              </a:buClr>
+              <a:buFontTx/>
+              <a:buChar char="–"/>
+            </a:pPr>
+            <a:r>
+              <a:rPr lang="en-US" altLang="de-DE" sz="1400" dirty="0" err="1">
+                <a:latin typeface="Calibri" pitchFamily="34" charset="0"/>
+              </a:rPr>
+              <a:t>Unidimensionalität</a:t>
+            </a:r>
+            <a:endParaRPr lang="en-US" altLang="de-DE" sz="1400" dirty="0">
+              <a:latin typeface="Calibri" pitchFamily="34" charset="0"/>
+            </a:endParaRPr>
+          </a:p>
+          <a:p>
+            <a:pPr lvl="1">
+              <a:lnSpc>
+                <a:spcPct val="114000"/>
+              </a:lnSpc>
+              <a:spcBef>
+                <a:spcPts val="600"/>
+              </a:spcBef>
+              <a:buClr>
+                <a:srgbClr val="A61B1E"/>
+              </a:buClr>
+              <a:buFontTx/>
+              <a:buChar char="–"/>
+            </a:pPr>
+            <a:r>
+              <a:rPr lang="en-US" altLang="de-DE" sz="1400" dirty="0" err="1">
+                <a:latin typeface="Calibri" pitchFamily="34" charset="0"/>
+              </a:rPr>
+              <a:t>Wenn</a:t>
+            </a:r>
+            <a:r>
+              <a:rPr lang="en-US" altLang="de-DE" sz="1400" dirty="0">
+                <a:latin typeface="Calibri" pitchFamily="34" charset="0"/>
+              </a:rPr>
+              <a:t> </a:t>
+            </a:r>
+            <a:r>
+              <a:rPr lang="en-US" altLang="de-DE" sz="1400" dirty="0" err="1">
+                <a:latin typeface="Calibri" pitchFamily="34" charset="0"/>
+              </a:rPr>
+              <a:t>diese</a:t>
+            </a:r>
+            <a:r>
+              <a:rPr lang="en-US" altLang="de-DE" sz="1400" dirty="0">
+                <a:latin typeface="Calibri" pitchFamily="34" charset="0"/>
+              </a:rPr>
+              <a:t> </a:t>
+            </a:r>
+            <a:r>
+              <a:rPr lang="en-US" altLang="de-DE" sz="1400" dirty="0" err="1">
+                <a:latin typeface="Calibri" pitchFamily="34" charset="0"/>
+              </a:rPr>
+              <a:t>Bedingungen</a:t>
+            </a:r>
+            <a:r>
+              <a:rPr lang="en-US" altLang="de-DE" sz="1400" dirty="0">
+                <a:latin typeface="Calibri" pitchFamily="34" charset="0"/>
+              </a:rPr>
+              <a:t> </a:t>
+            </a:r>
+            <a:r>
+              <a:rPr lang="en-US" altLang="de-DE" sz="1400" dirty="0" err="1">
+                <a:latin typeface="Calibri" pitchFamily="34" charset="0"/>
+              </a:rPr>
+              <a:t>als</a:t>
+            </a:r>
+            <a:r>
+              <a:rPr lang="en-US" altLang="de-DE" sz="1400" dirty="0">
+                <a:latin typeface="Calibri" pitchFamily="34" charset="0"/>
+              </a:rPr>
+              <a:t> </a:t>
+            </a:r>
+            <a:r>
+              <a:rPr lang="en-US" altLang="de-DE" sz="1400" dirty="0" err="1">
+                <a:latin typeface="Calibri" pitchFamily="34" charset="0"/>
+              </a:rPr>
+              <a:t>gegeben</a:t>
+            </a:r>
+            <a:r>
+              <a:rPr lang="en-US" altLang="de-DE" sz="1400" dirty="0">
+                <a:latin typeface="Calibri" pitchFamily="34" charset="0"/>
+              </a:rPr>
+              <a:t> </a:t>
+            </a:r>
+            <a:r>
+              <a:rPr lang="en-US" altLang="de-DE" sz="1400" dirty="0" err="1">
+                <a:latin typeface="Calibri" pitchFamily="34" charset="0"/>
+              </a:rPr>
+              <a:t>gelten</a:t>
+            </a:r>
+            <a:r>
+              <a:rPr lang="en-US" altLang="de-DE" sz="1400" dirty="0">
+                <a:latin typeface="Calibri" pitchFamily="34" charset="0"/>
+              </a:rPr>
+              <a:t> </a:t>
+            </a:r>
+            <a:r>
+              <a:rPr lang="en-US" altLang="de-DE" sz="1400" dirty="0" err="1">
+                <a:latin typeface="Calibri" pitchFamily="34" charset="0"/>
+              </a:rPr>
+              <a:t>können</a:t>
+            </a:r>
+            <a:r>
+              <a:rPr lang="en-US" altLang="de-DE" sz="1400" dirty="0">
+                <a:latin typeface="Calibri" pitchFamily="34" charset="0"/>
+              </a:rPr>
+              <a:t>, </a:t>
+            </a:r>
+            <a:r>
+              <a:rPr lang="en-US" altLang="de-DE" sz="1400" dirty="0" err="1">
+                <a:latin typeface="Calibri" pitchFamily="34" charset="0"/>
+              </a:rPr>
+              <a:t>kann</a:t>
+            </a:r>
+            <a:r>
+              <a:rPr lang="en-US" altLang="de-DE" sz="1400" dirty="0">
+                <a:latin typeface="Calibri" pitchFamily="34" charset="0"/>
+              </a:rPr>
+              <a:t> die </a:t>
+            </a:r>
+            <a:r>
+              <a:rPr lang="en-US" altLang="de-DE" sz="1400" dirty="0" err="1">
+                <a:latin typeface="Calibri" pitchFamily="34" charset="0"/>
+              </a:rPr>
+              <a:t>Reliabilität</a:t>
+            </a:r>
+            <a:r>
+              <a:rPr lang="en-US" altLang="de-DE" sz="1400" dirty="0">
+                <a:latin typeface="Calibri" pitchFamily="34" charset="0"/>
+              </a:rPr>
+              <a:t> </a:t>
+            </a:r>
+            <a:r>
+              <a:rPr lang="en-US" altLang="de-DE" sz="1400" dirty="0" err="1">
+                <a:latin typeface="Calibri" pitchFamily="34" charset="0"/>
+              </a:rPr>
+              <a:t>als</a:t>
+            </a:r>
+            <a:r>
+              <a:rPr lang="en-US" altLang="de-DE" sz="1400" dirty="0">
+                <a:latin typeface="Calibri" pitchFamily="34" charset="0"/>
+              </a:rPr>
+              <a:t> WLE- </a:t>
+            </a:r>
+            <a:r>
+              <a:rPr lang="en-US" altLang="de-DE" sz="1400" dirty="0" err="1">
+                <a:latin typeface="Calibri" pitchFamily="34" charset="0"/>
+              </a:rPr>
+              <a:t>oder</a:t>
+            </a:r>
+            <a:r>
+              <a:rPr lang="en-US" altLang="de-DE" sz="1400" dirty="0">
+                <a:latin typeface="Calibri" pitchFamily="34" charset="0"/>
+              </a:rPr>
+              <a:t> </a:t>
+            </a:r>
+            <a:r>
+              <a:rPr lang="en-US" altLang="de-DE" sz="1400" dirty="0" err="1">
+                <a:latin typeface="Calibri" pitchFamily="34" charset="0"/>
+              </a:rPr>
+              <a:t>Konstrukt</a:t>
+            </a:r>
+            <a:r>
+              <a:rPr lang="en-US" altLang="de-DE" sz="1400" dirty="0">
+                <a:latin typeface="Calibri" pitchFamily="34" charset="0"/>
+              </a:rPr>
+              <a:t>- (</a:t>
+            </a:r>
+            <a:r>
+              <a:rPr lang="en-US" altLang="de-DE" sz="1400" dirty="0" err="1">
+                <a:latin typeface="Calibri" pitchFamily="34" charset="0"/>
+              </a:rPr>
+              <a:t>bzw</a:t>
+            </a:r>
+            <a:r>
+              <a:rPr lang="en-US" altLang="de-DE" sz="1400" dirty="0">
+                <a:latin typeface="Calibri" pitchFamily="34" charset="0"/>
+              </a:rPr>
+              <a:t>. EAP/PV)-</a:t>
+            </a:r>
+            <a:r>
+              <a:rPr lang="en-US" altLang="de-DE" sz="1400" dirty="0" err="1">
+                <a:latin typeface="Calibri" pitchFamily="34" charset="0"/>
+              </a:rPr>
+              <a:t>Reliabilität</a:t>
+            </a:r>
+            <a:r>
+              <a:rPr lang="en-US" altLang="de-DE" sz="1400" dirty="0">
+                <a:latin typeface="Calibri" pitchFamily="34" charset="0"/>
+              </a:rPr>
+              <a:t> </a:t>
+            </a:r>
+            <a:r>
+              <a:rPr lang="en-US" altLang="de-DE" sz="1400" dirty="0" err="1">
+                <a:latin typeface="Calibri" pitchFamily="34" charset="0"/>
+              </a:rPr>
+              <a:t>bestimmt</a:t>
+            </a:r>
+            <a:r>
+              <a:rPr lang="en-US" altLang="de-DE" sz="1400" dirty="0">
+                <a:latin typeface="Calibri" pitchFamily="34" charset="0"/>
+              </a:rPr>
+              <a:t> </a:t>
+            </a:r>
+            <a:r>
+              <a:rPr lang="en-US" altLang="de-DE" sz="1400" dirty="0" err="1">
+                <a:latin typeface="Calibri" pitchFamily="34" charset="0"/>
+              </a:rPr>
+              <a:t>werden</a:t>
+            </a:r>
+            <a:r>
+              <a:rPr lang="en-US" altLang="de-DE" sz="1400" dirty="0">
+                <a:latin typeface="Calibri" pitchFamily="34" charset="0"/>
+              </a:rPr>
+              <a:t> </a:t>
+            </a:r>
+          </a:p>
+          <a:p>
+            <a:pPr lvl="2">
+              <a:lnSpc>
+                <a:spcPct val="114000"/>
+              </a:lnSpc>
+              <a:spcBef>
+                <a:spcPts val="600"/>
+              </a:spcBef>
+              <a:buClr>
+                <a:srgbClr val="A61B1E"/>
+              </a:buClr>
+              <a:buFontTx/>
+              <a:buChar char="–"/>
+            </a:pPr>
+            <a:r>
+              <a:rPr lang="en-US" altLang="de-DE" sz="1400" dirty="0">
+                <a:latin typeface="Calibri" pitchFamily="34" charset="0"/>
+              </a:rPr>
+              <a:t>Weighted Likelihood Estimate (WLE; Warm, 1989): </a:t>
+            </a:r>
+            <a:r>
+              <a:rPr lang="en-US" altLang="de-DE" sz="1400" dirty="0" err="1">
+                <a:latin typeface="Calibri" pitchFamily="34" charset="0"/>
+              </a:rPr>
+              <a:t>individueller</a:t>
+            </a:r>
+            <a:r>
+              <a:rPr lang="en-US" altLang="de-DE" sz="1400" dirty="0">
+                <a:latin typeface="Calibri" pitchFamily="34" charset="0"/>
+              </a:rPr>
+              <a:t> </a:t>
+            </a:r>
+            <a:r>
+              <a:rPr lang="en-US" altLang="de-DE" sz="1400" dirty="0" err="1">
+                <a:latin typeface="Calibri" pitchFamily="34" charset="0"/>
+              </a:rPr>
+              <a:t>Personenparameter</a:t>
+            </a:r>
+            <a:r>
+              <a:rPr lang="en-US" altLang="de-DE" sz="1400" dirty="0">
+                <a:latin typeface="Calibri" pitchFamily="34" charset="0"/>
+              </a:rPr>
+              <a:t> (= “</a:t>
+            </a:r>
+            <a:r>
+              <a:rPr lang="en-US" altLang="de-DE" sz="1400" dirty="0" err="1">
+                <a:latin typeface="Calibri" pitchFamily="34" charset="0"/>
+              </a:rPr>
+              <a:t>Personenfähigkeit</a:t>
+            </a:r>
+            <a:r>
+              <a:rPr lang="en-US" altLang="de-DE" sz="1400" dirty="0">
+                <a:latin typeface="Calibri" pitchFamily="34" charset="0"/>
+              </a:rPr>
+              <a:t>”)</a:t>
+            </a:r>
+          </a:p>
+          <a:p>
+            <a:pPr lvl="2">
+              <a:lnSpc>
+                <a:spcPct val="114000"/>
+              </a:lnSpc>
+              <a:spcBef>
+                <a:spcPts val="600"/>
+              </a:spcBef>
+              <a:buClr>
+                <a:srgbClr val="A61B1E"/>
+              </a:buClr>
+              <a:buFontTx/>
+              <a:buChar char="–"/>
+            </a:pPr>
+            <a:r>
+              <a:rPr lang="en-US" altLang="de-DE" sz="1400" dirty="0">
+                <a:latin typeface="Calibri" pitchFamily="34" charset="0"/>
+              </a:rPr>
+              <a:t>EAP: expected a posteriori estimate. </a:t>
+            </a:r>
+            <a:r>
+              <a:rPr lang="en-US" altLang="de-DE" sz="1400" dirty="0" err="1">
+                <a:latin typeface="Calibri" pitchFamily="34" charset="0"/>
+              </a:rPr>
+              <a:t>Erwartungswert</a:t>
+            </a:r>
+            <a:r>
+              <a:rPr lang="en-US" altLang="de-DE" sz="1400" dirty="0">
+                <a:latin typeface="Calibri" pitchFamily="34" charset="0"/>
+              </a:rPr>
+              <a:t> der </a:t>
+            </a:r>
+            <a:r>
+              <a:rPr lang="en-US" altLang="de-DE" sz="1400" dirty="0" err="1">
+                <a:latin typeface="Calibri" pitchFamily="34" charset="0"/>
+              </a:rPr>
+              <a:t>latenten</a:t>
+            </a:r>
+            <a:r>
+              <a:rPr lang="en-US" altLang="de-DE" sz="1400" dirty="0">
+                <a:latin typeface="Calibri" pitchFamily="34" charset="0"/>
+              </a:rPr>
+              <a:t> intra-</a:t>
+            </a:r>
+            <a:r>
+              <a:rPr lang="en-US" altLang="de-DE" sz="1400" dirty="0" err="1">
+                <a:latin typeface="Calibri" pitchFamily="34" charset="0"/>
+              </a:rPr>
+              <a:t>individuellen</a:t>
+            </a:r>
+            <a:r>
+              <a:rPr lang="en-US" altLang="de-DE" sz="1400" dirty="0">
+                <a:latin typeface="Calibri" pitchFamily="34" charset="0"/>
+              </a:rPr>
+              <a:t> </a:t>
+            </a:r>
+            <a:r>
+              <a:rPr lang="en-US" altLang="de-DE" sz="1400" dirty="0" err="1">
+                <a:latin typeface="Calibri" pitchFamily="34" charset="0"/>
+              </a:rPr>
+              <a:t>Personenfähigkeitsverteilung</a:t>
+            </a:r>
+            <a:endParaRPr lang="en-US" altLang="de-DE" sz="1400" dirty="0">
+              <a:latin typeface="Calibri" pitchFamily="34" charset="0"/>
+            </a:endParaRPr>
+          </a:p>
+          <a:p>
+            <a:pPr lvl="2">
+              <a:lnSpc>
+                <a:spcPct val="114000"/>
+              </a:lnSpc>
+              <a:spcBef>
+                <a:spcPts val="600"/>
+              </a:spcBef>
+              <a:buClr>
+                <a:srgbClr val="A61B1E"/>
+              </a:buClr>
+              <a:buFontTx/>
+              <a:buChar char="–"/>
+            </a:pPr>
+            <a:r>
+              <a:rPr lang="en-US" altLang="de-DE" sz="1400" dirty="0">
+                <a:latin typeface="Calibri" pitchFamily="34" charset="0"/>
+              </a:rPr>
+              <a:t>PV: plausible values. </a:t>
+            </a:r>
+            <a:r>
+              <a:rPr lang="en-US" altLang="de-DE" sz="1400" dirty="0" err="1">
+                <a:latin typeface="Calibri" pitchFamily="34" charset="0"/>
+              </a:rPr>
+              <a:t>Zufallsziehungen</a:t>
+            </a:r>
+            <a:r>
+              <a:rPr lang="en-US" altLang="de-DE" sz="1400" dirty="0">
+                <a:latin typeface="Calibri" pitchFamily="34" charset="0"/>
+              </a:rPr>
+              <a:t> </a:t>
+            </a:r>
+            <a:r>
+              <a:rPr lang="en-US" altLang="de-DE" sz="1400" dirty="0" err="1">
+                <a:latin typeface="Calibri" pitchFamily="34" charset="0"/>
+              </a:rPr>
+              <a:t>aus</a:t>
+            </a:r>
+            <a:r>
+              <a:rPr lang="en-US" altLang="de-DE" sz="1400" dirty="0">
+                <a:latin typeface="Calibri" pitchFamily="34" charset="0"/>
+              </a:rPr>
+              <a:t> der EAP-</a:t>
+            </a:r>
+            <a:r>
+              <a:rPr lang="en-US" altLang="de-DE" sz="1400" dirty="0" err="1">
+                <a:latin typeface="Calibri" pitchFamily="34" charset="0"/>
+              </a:rPr>
+              <a:t>Verteilung</a:t>
+            </a:r>
+            <a:endParaRPr lang="en-US" altLang="de-DE" sz="1400" dirty="0">
+              <a:latin typeface="Calibri" pitchFamily="34" charset="0"/>
+            </a:endParaRPr>
+          </a:p>
+        </p:txBody>
+      </p:sp>
+      <p:sp>
+        <p:nvSpPr>
+          <p:cNvPr id="263173" name="Rectangle 5"/>
+          <p:cNvSpPr>
+            <a:spLocks noChangeArrowheads="1"/>
+          </p:cNvSpPr>
+          <p:nvPr/>
+        </p:nvSpPr>
+        <p:spPr bwMode="auto">
+          <a:xfrm>
+            <a:off x="0" y="3314700"/>
+            <a:ext cx="9144000" cy="0"/>
+          </a:xfrm>
+          <a:prstGeom prst="rect">
+            <a:avLst/>
+          </a:prstGeom>
+          <a:noFill/>
+          <a:ln>
+            <a:noFill/>
+          </a:ln>
+          <a:effectLst/>
+          <a:extLst>
+            <a:ext uri="{909E8E84-426E-40DD-AFC4-6F175D3DCCD1}">
+              <a14:hiddenFill xmlns:a14="http://schemas.microsoft.com/office/drawing/2010/main">
+                <a:solidFill>
+                  <a:schemeClr val="accent1"/>
+                </a:solidFill>
+              </a14:hiddenFill>
+            </a:ext>
+            <a:ext uri="{91240B29-F687-4F45-9708-019B960494DF}">
+              <a14:hiddenLine xmlns:a14="http://schemas.microsoft.com/office/drawing/2010/main" w="9525">
+                <a:solidFill>
+                  <a:schemeClr val="tx1"/>
+                </a:solidFill>
+                <a:miter lim="800000"/>
+                <a:headEnd/>
+                <a:tailEnd/>
+              </a14:hiddenLine>
+            </a:ext>
+            <a:ext uri="{AF507438-7753-43E0-B8FC-AC1667EBCBE1}">
+              <a14:hiddenEffects xmlns:a14="http://schemas.microsoft.com/office/drawing/2010/main">
+                <a:effectLst>
+                  <a:outerShdw dist="35921" dir="2700000" algn="ctr" rotWithShape="0">
+                    <a:schemeClr val="bg2"/>
+                  </a:outerShdw>
+                </a:effectLst>
+              </a14:hiddenEffects>
+            </a:ext>
+          </a:extLst>
+        </p:spPr>
+        <p:txBody>
+          <a:bodyPr wrap="none" anchor="ctr">
+            <a:spAutoFit/>
+          </a:bodyPr>
+          <a:lstStyle/>
+          <a:p>
+            <a:endParaRPr lang="de-DE"/>
+          </a:p>
+        </p:txBody>
+      </p:sp>
+      <p:sp>
+        <p:nvSpPr>
+          <p:cNvPr id="263175" name="Rectangle 7"/>
+          <p:cNvSpPr>
+            <a:spLocks noChangeArrowheads="1"/>
+          </p:cNvSpPr>
+          <p:nvPr/>
+        </p:nvSpPr>
+        <p:spPr bwMode="auto">
+          <a:xfrm>
+            <a:off x="0" y="3314700"/>
+            <a:ext cx="9144000" cy="0"/>
+          </a:xfrm>
+          <a:prstGeom prst="rect">
+            <a:avLst/>
+          </a:prstGeom>
+          <a:noFill/>
+          <a:ln>
+            <a:noFill/>
+          </a:ln>
+          <a:effectLst/>
+          <a:extLst>
+            <a:ext uri="{909E8E84-426E-40DD-AFC4-6F175D3DCCD1}">
+              <a14:hiddenFill xmlns:a14="http://schemas.microsoft.com/office/drawing/2010/main">
+                <a:solidFill>
+                  <a:schemeClr val="accent1"/>
+                </a:solidFill>
+              </a14:hiddenFill>
+            </a:ext>
+            <a:ext uri="{91240B29-F687-4F45-9708-019B960494DF}">
+              <a14:hiddenLine xmlns:a14="http://schemas.microsoft.com/office/drawing/2010/main" w="9525">
+                <a:solidFill>
+                  <a:schemeClr val="tx1"/>
+                </a:solidFill>
+                <a:miter lim="800000"/>
+                <a:headEnd/>
+                <a:tailEnd/>
+              </a14:hiddenLine>
+            </a:ext>
+            <a:ext uri="{AF507438-7753-43E0-B8FC-AC1667EBCBE1}">
+              <a14:hiddenEffects xmlns:a14="http://schemas.microsoft.com/office/drawing/2010/main">
+                <a:effectLst>
+                  <a:outerShdw dist="35921" dir="2700000" algn="ctr" rotWithShape="0">
+                    <a:schemeClr val="bg2"/>
+                  </a:outerShdw>
+                </a:effectLst>
+              </a14:hiddenEffects>
+            </a:ext>
+          </a:extLst>
+        </p:spPr>
+        <p:txBody>
+          <a:bodyPr wrap="none" anchor="ctr">
+            <a:spAutoFit/>
+          </a:bodyPr>
+          <a:lstStyle/>
+          <a:p>
+            <a:endParaRPr lang="de-DE"/>
+          </a:p>
+        </p:txBody>
+      </p:sp>
+      <p:sp>
+        <p:nvSpPr>
+          <p:cNvPr id="263176" name="Rectangle 8"/>
+          <p:cNvSpPr>
+            <a:spLocks noChangeArrowheads="1"/>
+          </p:cNvSpPr>
+          <p:nvPr/>
+        </p:nvSpPr>
+        <p:spPr bwMode="auto">
+          <a:xfrm>
+            <a:off x="0" y="3314700"/>
+            <a:ext cx="9144000" cy="0"/>
+          </a:xfrm>
+          <a:prstGeom prst="rect">
+            <a:avLst/>
+          </a:prstGeom>
+          <a:noFill/>
+          <a:ln>
+            <a:noFill/>
+          </a:ln>
+          <a:effectLst/>
+          <a:extLst>
+            <a:ext uri="{909E8E84-426E-40DD-AFC4-6F175D3DCCD1}">
+              <a14:hiddenFill xmlns:a14="http://schemas.microsoft.com/office/drawing/2010/main">
+                <a:solidFill>
+                  <a:schemeClr val="accent1"/>
+                </a:solidFill>
+              </a14:hiddenFill>
+            </a:ext>
+            <a:ext uri="{91240B29-F687-4F45-9708-019B960494DF}">
+              <a14:hiddenLine xmlns:a14="http://schemas.microsoft.com/office/drawing/2010/main" w="9525">
+                <a:solidFill>
+                  <a:schemeClr val="tx1"/>
+                </a:solidFill>
+                <a:miter lim="800000"/>
+                <a:headEnd/>
+                <a:tailEnd/>
+              </a14:hiddenLine>
+            </a:ext>
+            <a:ext uri="{AF507438-7753-43E0-B8FC-AC1667EBCBE1}">
+              <a14:hiddenEffects xmlns:a14="http://schemas.microsoft.com/office/drawing/2010/main">
+                <a:effectLst>
+                  <a:outerShdw dist="35921" dir="2700000" algn="ctr" rotWithShape="0">
+                    <a:schemeClr val="bg2"/>
+                  </a:outerShdw>
+                </a:effectLst>
+              </a14:hiddenEffects>
+            </a:ext>
+          </a:extLst>
+        </p:spPr>
+        <p:txBody>
+          <a:bodyPr wrap="none" anchor="ctr">
+            <a:spAutoFit/>
+          </a:bodyPr>
+          <a:lstStyle/>
+          <a:p>
+            <a:endParaRPr lang="de-DE"/>
+          </a:p>
+        </p:txBody>
+      </p:sp>
+      <p:sp>
+        <p:nvSpPr>
+          <p:cNvPr id="263179" name="Rectangle 11"/>
+          <p:cNvSpPr>
+            <a:spLocks noChangeArrowheads="1"/>
+          </p:cNvSpPr>
+          <p:nvPr/>
+        </p:nvSpPr>
+        <p:spPr bwMode="auto">
+          <a:xfrm>
+            <a:off x="0" y="3314700"/>
+            <a:ext cx="9144000" cy="0"/>
+          </a:xfrm>
+          <a:prstGeom prst="rect">
+            <a:avLst/>
+          </a:prstGeom>
+          <a:noFill/>
+          <a:ln>
+            <a:noFill/>
+          </a:ln>
+          <a:effectLst/>
+          <a:extLst>
+            <a:ext uri="{909E8E84-426E-40DD-AFC4-6F175D3DCCD1}">
+              <a14:hiddenFill xmlns:a14="http://schemas.microsoft.com/office/drawing/2010/main">
+                <a:solidFill>
+                  <a:schemeClr val="accent1"/>
+                </a:solidFill>
+              </a14:hiddenFill>
+            </a:ext>
+            <a:ext uri="{91240B29-F687-4F45-9708-019B960494DF}">
+              <a14:hiddenLine xmlns:a14="http://schemas.microsoft.com/office/drawing/2010/main" w="9525">
+                <a:solidFill>
+                  <a:schemeClr val="tx1"/>
+                </a:solidFill>
+                <a:miter lim="800000"/>
+                <a:headEnd/>
+                <a:tailEnd/>
+              </a14:hiddenLine>
+            </a:ext>
+            <a:ext uri="{AF507438-7753-43E0-B8FC-AC1667EBCBE1}">
+              <a14:hiddenEffects xmlns:a14="http://schemas.microsoft.com/office/drawing/2010/main">
+                <a:effectLst>
+                  <a:outerShdw dist="35921" dir="2700000" algn="ctr" rotWithShape="0">
+                    <a:schemeClr val="bg2"/>
+                  </a:outerShdw>
+                </a:effectLst>
+              </a14:hiddenEffects>
+            </a:ext>
+          </a:extLst>
+        </p:spPr>
+        <p:txBody>
+          <a:bodyPr wrap="none" anchor="ctr">
+            <a:spAutoFit/>
+          </a:bodyPr>
+          <a:lstStyle/>
+          <a:p>
+            <a:endParaRPr lang="de-DE"/>
+          </a:p>
+        </p:txBody>
+      </p:sp>
+      <p:sp>
+        <p:nvSpPr>
+          <p:cNvPr id="263180" name="Rectangle 12"/>
+          <p:cNvSpPr>
+            <a:spLocks noChangeArrowheads="1"/>
+          </p:cNvSpPr>
+          <p:nvPr/>
+        </p:nvSpPr>
+        <p:spPr bwMode="auto">
+          <a:xfrm>
+            <a:off x="0" y="3314700"/>
+            <a:ext cx="9144000" cy="0"/>
+          </a:xfrm>
+          <a:prstGeom prst="rect">
+            <a:avLst/>
+          </a:prstGeom>
+          <a:noFill/>
+          <a:ln>
+            <a:noFill/>
+          </a:ln>
+          <a:effectLst/>
+          <a:extLst>
+            <a:ext uri="{909E8E84-426E-40DD-AFC4-6F175D3DCCD1}">
+              <a14:hiddenFill xmlns:a14="http://schemas.microsoft.com/office/drawing/2010/main">
+                <a:solidFill>
+                  <a:schemeClr val="accent1"/>
+                </a:solidFill>
+              </a14:hiddenFill>
+            </a:ext>
+            <a:ext uri="{91240B29-F687-4F45-9708-019B960494DF}">
+              <a14:hiddenLine xmlns:a14="http://schemas.microsoft.com/office/drawing/2010/main" w="9525">
+                <a:solidFill>
+                  <a:schemeClr val="tx1"/>
+                </a:solidFill>
+                <a:miter lim="800000"/>
+                <a:headEnd/>
+                <a:tailEnd/>
+              </a14:hiddenLine>
+            </a:ext>
+            <a:ext uri="{AF507438-7753-43E0-B8FC-AC1667EBCBE1}">
+              <a14:hiddenEffects xmlns:a14="http://schemas.microsoft.com/office/drawing/2010/main">
+                <a:effectLst>
+                  <a:outerShdw dist="35921" dir="2700000" algn="ctr" rotWithShape="0">
+                    <a:schemeClr val="bg2"/>
+                  </a:outerShdw>
+                </a:effectLst>
+              </a14:hiddenEffects>
+            </a:ext>
+          </a:extLst>
+        </p:spPr>
+        <p:txBody>
+          <a:bodyPr wrap="none" anchor="ctr">
+            <a:spAutoFit/>
+          </a:bodyPr>
+          <a:lstStyle/>
+          <a:p>
+            <a:endParaRPr lang="de-DE"/>
+          </a:p>
+        </p:txBody>
+      </p:sp>
+      <p:sp>
+        <p:nvSpPr>
+          <p:cNvPr id="263184" name="Rectangle 16"/>
+          <p:cNvSpPr>
+            <a:spLocks noChangeArrowheads="1"/>
+          </p:cNvSpPr>
+          <p:nvPr/>
+        </p:nvSpPr>
+        <p:spPr bwMode="auto">
+          <a:xfrm>
+            <a:off x="0" y="3309938"/>
+            <a:ext cx="9144000" cy="0"/>
+          </a:xfrm>
+          <a:prstGeom prst="rect">
+            <a:avLst/>
+          </a:prstGeom>
+          <a:noFill/>
+          <a:ln>
+            <a:noFill/>
+          </a:ln>
+          <a:effectLst/>
+          <a:extLst>
+            <a:ext uri="{909E8E84-426E-40DD-AFC4-6F175D3DCCD1}">
+              <a14:hiddenFill xmlns:a14="http://schemas.microsoft.com/office/drawing/2010/main">
+                <a:solidFill>
+                  <a:schemeClr val="accent1"/>
+                </a:solidFill>
+              </a14:hiddenFill>
+            </a:ext>
+            <a:ext uri="{91240B29-F687-4F45-9708-019B960494DF}">
+              <a14:hiddenLine xmlns:a14="http://schemas.microsoft.com/office/drawing/2010/main" w="9525">
+                <a:solidFill>
+                  <a:schemeClr val="tx1"/>
+                </a:solidFill>
+                <a:miter lim="800000"/>
+                <a:headEnd/>
+                <a:tailEnd/>
+              </a14:hiddenLine>
+            </a:ext>
+            <a:ext uri="{AF507438-7753-43E0-B8FC-AC1667EBCBE1}">
+              <a14:hiddenEffects xmlns:a14="http://schemas.microsoft.com/office/drawing/2010/main">
+                <a:effectLst>
+                  <a:outerShdw dist="35921" dir="2700000" algn="ctr" rotWithShape="0">
+                    <a:schemeClr val="bg2"/>
+                  </a:outerShdw>
+                </a:effectLst>
+              </a14:hiddenEffects>
+            </a:ext>
+          </a:extLst>
+        </p:spPr>
+        <p:txBody>
+          <a:bodyPr wrap="none" anchor="ctr">
+            <a:spAutoFit/>
+          </a:bodyPr>
+          <a:lstStyle/>
+          <a:p>
+            <a:endParaRPr lang="de-DE"/>
+          </a:p>
+        </p:txBody>
+      </p:sp>
+      <p:sp>
+        <p:nvSpPr>
+          <p:cNvPr id="263191" name="Rectangle 23"/>
+          <p:cNvSpPr>
+            <a:spLocks noChangeArrowheads="1"/>
+          </p:cNvSpPr>
+          <p:nvPr/>
+        </p:nvSpPr>
+        <p:spPr bwMode="auto">
+          <a:xfrm>
+            <a:off x="0" y="3309938"/>
+            <a:ext cx="9144000" cy="0"/>
+          </a:xfrm>
+          <a:prstGeom prst="rect">
+            <a:avLst/>
+          </a:prstGeom>
+          <a:noFill/>
+          <a:ln>
+            <a:noFill/>
+          </a:ln>
+          <a:effectLst/>
+          <a:extLst>
+            <a:ext uri="{909E8E84-426E-40DD-AFC4-6F175D3DCCD1}">
+              <a14:hiddenFill xmlns:a14="http://schemas.microsoft.com/office/drawing/2010/main">
+                <a:solidFill>
+                  <a:schemeClr val="accent1"/>
+                </a:solidFill>
+              </a14:hiddenFill>
+            </a:ext>
+            <a:ext uri="{91240B29-F687-4F45-9708-019B960494DF}">
+              <a14:hiddenLine xmlns:a14="http://schemas.microsoft.com/office/drawing/2010/main" w="9525">
+                <a:solidFill>
+                  <a:schemeClr val="tx1"/>
+                </a:solidFill>
+                <a:miter lim="800000"/>
+                <a:headEnd/>
+                <a:tailEnd/>
+              </a14:hiddenLine>
+            </a:ext>
+            <a:ext uri="{AF507438-7753-43E0-B8FC-AC1667EBCBE1}">
+              <a14:hiddenEffects xmlns:a14="http://schemas.microsoft.com/office/drawing/2010/main">
+                <a:effectLst>
+                  <a:outerShdw dist="35921" dir="2700000" algn="ctr" rotWithShape="0">
+                    <a:schemeClr val="bg2"/>
+                  </a:outerShdw>
+                </a:effectLst>
+              </a14:hiddenEffects>
+            </a:ext>
+          </a:extLst>
+        </p:spPr>
+        <p:txBody>
+          <a:bodyPr wrap="none" anchor="ctr">
+            <a:spAutoFit/>
+          </a:bodyPr>
+          <a:lstStyle/>
+          <a:p>
+            <a:endParaRPr lang="de-DE"/>
+          </a:p>
+        </p:txBody>
+      </p:sp>
+      <p:sp>
+        <p:nvSpPr>
+          <p:cNvPr id="3" name="Rectangle 104">
+            <a:extLst>
+              <a:ext uri="{FF2B5EF4-FFF2-40B4-BE49-F238E27FC236}">
+                <a16:creationId xmlns:a16="http://schemas.microsoft.com/office/drawing/2014/main" id="{1D417716-753E-4AB7-8E6B-9D58D6E9D0DC}"/>
+              </a:ext>
+            </a:extLst>
+          </p:cNvPr>
+          <p:cNvSpPr>
+            <a:spLocks noChangeArrowheads="1"/>
+          </p:cNvSpPr>
+          <p:nvPr/>
+        </p:nvSpPr>
+        <p:spPr bwMode="auto">
+          <a:xfrm>
+            <a:off x="0" y="0"/>
+            <a:ext cx="9144000" cy="0"/>
+          </a:xfrm>
+          <a:prstGeom prst="rect">
+            <a:avLst/>
+          </a:prstGeom>
+          <a:noFill/>
+          <a:ln>
+            <a:noFill/>
+          </a:ln>
+          <a:effectLst/>
+          <a:extLst>
+            <a:ext uri="{909E8E84-426E-40DD-AFC4-6F175D3DCCD1}">
+              <a14:hiddenFill xmlns:a14="http://schemas.microsoft.com/office/drawing/2010/main">
+                <a:solidFill>
+                  <a:schemeClr val="accent1"/>
+                </a:solidFill>
+              </a14:hiddenFill>
+            </a:ext>
+            <a:ext uri="{91240B29-F687-4F45-9708-019B960494DF}">
+              <a14:hiddenLine xmlns:a14="http://schemas.microsoft.com/office/drawing/2010/main" w="9525">
+                <a:solidFill>
+                  <a:schemeClr val="tx1"/>
+                </a:solidFill>
+                <a:miter lim="800000"/>
+                <a:headEnd/>
+                <a:tailEnd/>
+              </a14:hiddenLine>
+            </a:ext>
+            <a:ext uri="{AF507438-7753-43E0-B8FC-AC1667EBCBE1}">
+              <a14:hiddenEffects xmlns:a14="http://schemas.microsoft.com/office/drawing/2010/main">
+                <a:effectLst>
+                  <a:outerShdw dist="35921" dir="2700000" algn="ctr" rotWithShape="0">
+                    <a:schemeClr val="bg2"/>
+                  </a:outerShdw>
+                </a:effectLst>
+              </a14:hiddenEffects>
+            </a:ext>
+          </a:extLst>
+        </p:spPr>
+        <p:txBody>
+          <a:bodyPr vert="horz" wrap="none" lIns="91440" tIns="45720" rIns="91440" bIns="45720" numCol="1" anchor="ctr" anchorCtr="0" compatLnSpc="1">
+            <a:prstTxWarp prst="textNoShape">
+              <a:avLst/>
+            </a:prstTxWarp>
+            <a:spAutoFit/>
+          </a:bodyPr>
+          <a:lstStyle/>
+          <a:p>
+            <a:endParaRPr lang="de-DE"/>
+          </a:p>
+        </p:txBody>
+      </p:sp>
+      <p:sp>
+        <p:nvSpPr>
+          <p:cNvPr id="7" name="Rectangle 5">
+            <a:extLst>
+              <a:ext uri="{FF2B5EF4-FFF2-40B4-BE49-F238E27FC236}">
+                <a16:creationId xmlns:a16="http://schemas.microsoft.com/office/drawing/2014/main" id="{B9D579C6-8FE4-45C1-A49A-92EE08BDBD67}"/>
+              </a:ext>
+            </a:extLst>
+          </p:cNvPr>
+          <p:cNvSpPr>
+            <a:spLocks noChangeArrowheads="1"/>
+          </p:cNvSpPr>
+          <p:nvPr/>
+        </p:nvSpPr>
+        <p:spPr bwMode="auto">
+          <a:xfrm>
+            <a:off x="0" y="0"/>
+            <a:ext cx="9144000" cy="0"/>
+          </a:xfrm>
+          <a:prstGeom prst="rect">
+            <a:avLst/>
+          </a:prstGeom>
+          <a:noFill/>
+          <a:ln>
+            <a:noFill/>
+          </a:ln>
+          <a:effectLst/>
+          <a:extLst>
+            <a:ext uri="{909E8E84-426E-40DD-AFC4-6F175D3DCCD1}">
+              <a14:hiddenFill xmlns:a14="http://schemas.microsoft.com/office/drawing/2010/main">
+                <a:solidFill>
+                  <a:schemeClr val="accent1"/>
+                </a:solidFill>
+              </a14:hiddenFill>
+            </a:ext>
+            <a:ext uri="{91240B29-F687-4F45-9708-019B960494DF}">
+              <a14:hiddenLine xmlns:a14="http://schemas.microsoft.com/office/drawing/2010/main" w="9525">
+                <a:solidFill>
+                  <a:schemeClr val="tx1"/>
+                </a:solidFill>
+                <a:miter lim="800000"/>
+                <a:headEnd/>
+                <a:tailEnd/>
+              </a14:hiddenLine>
+            </a:ext>
+            <a:ext uri="{AF507438-7753-43E0-B8FC-AC1667EBCBE1}">
+              <a14:hiddenEffects xmlns:a14="http://schemas.microsoft.com/office/drawing/2010/main">
+                <a:effectLst>
+                  <a:outerShdw dist="35921" dir="2700000" algn="ctr" rotWithShape="0">
+                    <a:schemeClr val="bg2"/>
+                  </a:outerShdw>
+                </a:effectLst>
+              </a14:hiddenEffects>
+            </a:ext>
+          </a:extLst>
+        </p:spPr>
+        <p:txBody>
+          <a:bodyPr vert="horz" wrap="none" lIns="91440" tIns="45720" rIns="91440" bIns="45720" numCol="1" anchor="ctr" anchorCtr="0" compatLnSpc="1">
+            <a:prstTxWarp prst="textNoShape">
+              <a:avLst/>
+            </a:prstTxWarp>
+            <a:spAutoFit/>
+          </a:bodyPr>
+          <a:lstStyle/>
+          <a:p>
+            <a:endParaRPr lang="de-DE"/>
+          </a:p>
+        </p:txBody>
+      </p:sp>
+      <p:sp>
+        <p:nvSpPr>
+          <p:cNvPr id="2" name="Rectangle 21">
+            <a:extLst>
+              <a:ext uri="{FF2B5EF4-FFF2-40B4-BE49-F238E27FC236}">
+                <a16:creationId xmlns:a16="http://schemas.microsoft.com/office/drawing/2014/main" id="{B1661288-E2B5-4288-A5D2-B3363A55708E}"/>
+              </a:ext>
+            </a:extLst>
+          </p:cNvPr>
+          <p:cNvSpPr>
+            <a:spLocks noChangeArrowheads="1"/>
+          </p:cNvSpPr>
+          <p:nvPr/>
+        </p:nvSpPr>
+        <p:spPr bwMode="auto">
+          <a:xfrm>
+            <a:off x="0" y="0"/>
+            <a:ext cx="9144000" cy="0"/>
+          </a:xfrm>
+          <a:prstGeom prst="rect">
+            <a:avLst/>
+          </a:prstGeom>
+          <a:noFill/>
+          <a:ln>
+            <a:noFill/>
+          </a:ln>
+          <a:effectLst/>
+          <a:extLst>
+            <a:ext uri="{909E8E84-426E-40DD-AFC4-6F175D3DCCD1}">
+              <a14:hiddenFill xmlns:a14="http://schemas.microsoft.com/office/drawing/2010/main">
+                <a:solidFill>
+                  <a:schemeClr val="accent1"/>
+                </a:solidFill>
+              </a14:hiddenFill>
+            </a:ext>
+            <a:ext uri="{91240B29-F687-4F45-9708-019B960494DF}">
+              <a14:hiddenLine xmlns:a14="http://schemas.microsoft.com/office/drawing/2010/main" w="9525">
+                <a:solidFill>
+                  <a:schemeClr val="tx1"/>
+                </a:solidFill>
+                <a:miter lim="800000"/>
+                <a:headEnd/>
+                <a:tailEnd/>
+              </a14:hiddenLine>
+            </a:ext>
+            <a:ext uri="{AF507438-7753-43E0-B8FC-AC1667EBCBE1}">
+              <a14:hiddenEffects xmlns:a14="http://schemas.microsoft.com/office/drawing/2010/main">
+                <a:effectLst>
+                  <a:outerShdw dist="35921" dir="2700000" algn="ctr" rotWithShape="0">
+                    <a:schemeClr val="bg2"/>
+                  </a:outerShdw>
+                </a:effectLst>
+              </a14:hiddenEffects>
+            </a:ext>
+          </a:extLst>
+        </p:spPr>
+        <p:txBody>
+          <a:bodyPr vert="horz" wrap="none" lIns="91440" tIns="45720" rIns="91440" bIns="45720" numCol="1" anchor="ctr" anchorCtr="0" compatLnSpc="1">
+            <a:prstTxWarp prst="textNoShape">
+              <a:avLst/>
+            </a:prstTxWarp>
+            <a:spAutoFit/>
+          </a:bodyPr>
+          <a:lstStyle/>
+          <a:p>
+            <a:endParaRPr lang="de-DE"/>
+          </a:p>
+        </p:txBody>
+      </p:sp>
+      <p:sp>
+        <p:nvSpPr>
+          <p:cNvPr id="9" name="Rectangle 23">
+            <a:extLst>
+              <a:ext uri="{FF2B5EF4-FFF2-40B4-BE49-F238E27FC236}">
+                <a16:creationId xmlns:a16="http://schemas.microsoft.com/office/drawing/2014/main" id="{AE6AF98F-02EE-4B3E-8A50-D37F7625894D}"/>
+              </a:ext>
+            </a:extLst>
+          </p:cNvPr>
+          <p:cNvSpPr>
+            <a:spLocks noChangeArrowheads="1"/>
+          </p:cNvSpPr>
+          <p:nvPr/>
+        </p:nvSpPr>
+        <p:spPr bwMode="auto">
+          <a:xfrm>
+            <a:off x="1763688" y="2091603"/>
+            <a:ext cx="9144000" cy="0"/>
+          </a:xfrm>
+          <a:prstGeom prst="rect">
+            <a:avLst/>
+          </a:prstGeom>
+          <a:noFill/>
+          <a:ln>
+            <a:noFill/>
+          </a:ln>
+          <a:effectLst/>
+          <a:extLst>
+            <a:ext uri="{909E8E84-426E-40DD-AFC4-6F175D3DCCD1}">
+              <a14:hiddenFill xmlns:a14="http://schemas.microsoft.com/office/drawing/2010/main">
+                <a:solidFill>
+                  <a:schemeClr val="accent1"/>
+                </a:solidFill>
+              </a14:hiddenFill>
+            </a:ext>
+            <a:ext uri="{91240B29-F687-4F45-9708-019B960494DF}">
+              <a14:hiddenLine xmlns:a14="http://schemas.microsoft.com/office/drawing/2010/main" w="9525">
+                <a:solidFill>
+                  <a:schemeClr val="tx1"/>
+                </a:solidFill>
+                <a:miter lim="800000"/>
+                <a:headEnd/>
+                <a:tailEnd/>
+              </a14:hiddenLine>
+            </a:ext>
+            <a:ext uri="{AF507438-7753-43E0-B8FC-AC1667EBCBE1}">
+              <a14:hiddenEffects xmlns:a14="http://schemas.microsoft.com/office/drawing/2010/main">
+                <a:effectLst>
+                  <a:outerShdw dist="35921" dir="2700000" algn="ctr" rotWithShape="0">
+                    <a:schemeClr val="bg2"/>
+                  </a:outerShdw>
+                </a:effectLst>
+              </a14:hiddenEffects>
+            </a:ext>
+          </a:extLst>
+        </p:spPr>
+        <p:txBody>
+          <a:bodyPr vert="horz" wrap="none" lIns="91440" tIns="45720" rIns="91440" bIns="45720" numCol="1" anchor="ctr" anchorCtr="0" compatLnSpc="1">
+            <a:prstTxWarp prst="textNoShape">
+              <a:avLst/>
+            </a:prstTxWarp>
+            <a:spAutoFit/>
+          </a:bodyPr>
+          <a:lstStyle/>
+          <a:p>
+            <a:endParaRPr lang="de-DE"/>
+          </a:p>
+        </p:txBody>
+      </p:sp>
+    </p:spTree>
+    <p:extLst>
+      <p:ext uri="{BB962C8B-B14F-4D97-AF65-F5344CB8AC3E}">
+        <p14:creationId xmlns:p14="http://schemas.microsoft.com/office/powerpoint/2010/main" val="3389624571"/>
+      </p:ext>
+    </p:extLst>
+  </p:cSld>
+  <p:clrMapOvr>
+    <a:masterClrMapping/>
+  </p:clrMapOvr>
+  <p:transition advTm="20000"/>
+  <p:timing>
+    <p:tnLst>
+      <p:par>
+        <p:cTn id="1" dur="indefinite" restart="never" nodeType="tmRoot">
+          <p:childTnLst>
+            <p:seq concurrent="1" nextAc="seek">
+              <p:cTn id="2" dur="indefinite" nodeType="mainSeq">
+                <p:childTnLst>
+                  <p:par>
+                    <p:cTn id="3" fill="hold">
+                      <p:stCondLst>
+                        <p:cond delay="indefinite"/>
+                      </p:stCondLst>
+                      <p:childTnLst>
+                        <p:par>
+                          <p:cTn id="4" fill="hold">
+                            <p:stCondLst>
+                              <p:cond delay="0"/>
+                            </p:stCondLst>
+                            <p:childTnLst>
+                              <p:par>
+                                <p:cTn id="5" presetID="1" presetClass="entr" presetSubtype="0" fill="hold" nodeType="clickEffect">
+                                  <p:stCondLst>
+                                    <p:cond delay="0"/>
+                                  </p:stCondLst>
+                                  <p:childTnLst>
+                                    <p:set>
+                                      <p:cBhvr>
+                                        <p:cTn id="6" dur="1" fill="hold">
+                                          <p:stCondLst>
+                                            <p:cond delay="0"/>
+                                          </p:stCondLst>
+                                        </p:cTn>
+                                        <p:tgtEl>
+                                          <p:spTgt spid="4">
+                                            <p:txEl>
+                                              <p:pRg st="0" end="0"/>
+                                            </p:txEl>
+                                          </p:spTgt>
+                                        </p:tgtEl>
+                                        <p:attrNameLst>
+                                          <p:attrName>style.visibility</p:attrName>
+                                        </p:attrNameLst>
+                                      </p:cBhvr>
+                                      <p:to>
+                                        <p:strVal val="visible"/>
+                                      </p:to>
+                                    </p:set>
+                                  </p:childTnLst>
+                                </p:cTn>
+                              </p:par>
+                            </p:childTnLst>
+                          </p:cTn>
+                        </p:par>
+                      </p:childTnLst>
+                    </p:cTn>
+                  </p:par>
+                  <p:par>
+                    <p:cTn id="7" fill="hold">
+                      <p:stCondLst>
+                        <p:cond delay="indefinite"/>
+                      </p:stCondLst>
+                      <p:childTnLst>
+                        <p:par>
+                          <p:cTn id="8" fill="hold">
+                            <p:stCondLst>
+                              <p:cond delay="0"/>
+                            </p:stCondLst>
+                            <p:childTnLst>
+                              <p:par>
+                                <p:cTn id="9" presetID="1" presetClass="entr" presetSubtype="0" fill="hold" nodeType="clickEffect">
+                                  <p:stCondLst>
+                                    <p:cond delay="0"/>
+                                  </p:stCondLst>
+                                  <p:childTnLst>
+                                    <p:set>
+                                      <p:cBhvr>
+                                        <p:cTn id="10" dur="1" fill="hold">
+                                          <p:stCondLst>
+                                            <p:cond delay="0"/>
+                                          </p:stCondLst>
+                                        </p:cTn>
+                                        <p:tgtEl>
+                                          <p:spTgt spid="4">
+                                            <p:txEl>
+                                              <p:pRg st="1" end="1"/>
+                                            </p:txEl>
+                                          </p:spTgt>
+                                        </p:tgtEl>
+                                        <p:attrNameLst>
+                                          <p:attrName>style.visibility</p:attrName>
+                                        </p:attrNameLst>
+                                      </p:cBhvr>
+                                      <p:to>
+                                        <p:strVal val="visible"/>
+                                      </p:to>
+                                    </p:set>
+                                  </p:childTnLst>
+                                </p:cTn>
+                              </p:par>
+                            </p:childTnLst>
+                          </p:cTn>
+                        </p:par>
+                      </p:childTnLst>
+                    </p:cTn>
+                  </p:par>
+                  <p:par>
+                    <p:cTn id="11" fill="hold">
+                      <p:stCondLst>
+                        <p:cond delay="indefinite"/>
+                      </p:stCondLst>
+                      <p:childTnLst>
+                        <p:par>
+                          <p:cTn id="12" fill="hold">
+                            <p:stCondLst>
+                              <p:cond delay="0"/>
+                            </p:stCondLst>
+                            <p:childTnLst>
+                              <p:par>
+                                <p:cTn id="13" presetID="1" presetClass="entr" presetSubtype="0" fill="hold" nodeType="clickEffect">
+                                  <p:stCondLst>
+                                    <p:cond delay="0"/>
+                                  </p:stCondLst>
+                                  <p:childTnLst>
+                                    <p:set>
+                                      <p:cBhvr>
+                                        <p:cTn id="14" dur="1" fill="hold">
+                                          <p:stCondLst>
+                                            <p:cond delay="0"/>
+                                          </p:stCondLst>
+                                        </p:cTn>
+                                        <p:tgtEl>
+                                          <p:spTgt spid="4">
+                                            <p:txEl>
+                                              <p:pRg st="2" end="2"/>
+                                            </p:txEl>
+                                          </p:spTgt>
+                                        </p:tgtEl>
+                                        <p:attrNameLst>
+                                          <p:attrName>style.visibility</p:attrName>
+                                        </p:attrNameLst>
+                                      </p:cBhvr>
+                                      <p:to>
+                                        <p:strVal val="visible"/>
+                                      </p:to>
+                                    </p:set>
+                                  </p:childTnLst>
+                                </p:cTn>
+                              </p:par>
+                            </p:childTnLst>
+                          </p:cTn>
+                        </p:par>
+                      </p:childTnLst>
+                    </p:cTn>
+                  </p:par>
+                  <p:par>
+                    <p:cTn id="15" fill="hold">
+                      <p:stCondLst>
+                        <p:cond delay="indefinite"/>
+                      </p:stCondLst>
+                      <p:childTnLst>
+                        <p:par>
+                          <p:cTn id="16" fill="hold">
+                            <p:stCondLst>
+                              <p:cond delay="0"/>
+                            </p:stCondLst>
+                            <p:childTnLst>
+                              <p:par>
+                                <p:cTn id="17" presetID="1" presetClass="entr" presetSubtype="0" fill="hold" nodeType="clickEffect">
+                                  <p:stCondLst>
+                                    <p:cond delay="0"/>
+                                  </p:stCondLst>
+                                  <p:childTnLst>
+                                    <p:set>
+                                      <p:cBhvr>
+                                        <p:cTn id="18" dur="1" fill="hold">
+                                          <p:stCondLst>
+                                            <p:cond delay="0"/>
+                                          </p:stCondLst>
+                                        </p:cTn>
+                                        <p:tgtEl>
+                                          <p:spTgt spid="4">
+                                            <p:txEl>
+                                              <p:pRg st="3" end="3"/>
+                                            </p:txEl>
+                                          </p:spTgt>
+                                        </p:tgtEl>
+                                        <p:attrNameLst>
+                                          <p:attrName>style.visibility</p:attrName>
+                                        </p:attrNameLst>
+                                      </p:cBhvr>
+                                      <p:to>
+                                        <p:strVal val="visible"/>
+                                      </p:to>
+                                    </p:set>
+                                  </p:childTnLst>
+                                </p:cTn>
+                              </p:par>
+                            </p:childTnLst>
+                          </p:cTn>
+                        </p:par>
+                      </p:childTnLst>
+                    </p:cTn>
+                  </p:par>
+                  <p:par>
+                    <p:cTn id="19" fill="hold">
+                      <p:stCondLst>
+                        <p:cond delay="indefinite"/>
+                      </p:stCondLst>
+                      <p:childTnLst>
+                        <p:par>
+                          <p:cTn id="20" fill="hold">
+                            <p:stCondLst>
+                              <p:cond delay="0"/>
+                            </p:stCondLst>
+                            <p:childTnLst>
+                              <p:par>
+                                <p:cTn id="21" presetID="1" presetClass="entr" presetSubtype="0" fill="hold" nodeType="clickEffect">
+                                  <p:stCondLst>
+                                    <p:cond delay="0"/>
+                                  </p:stCondLst>
+                                  <p:childTnLst>
+                                    <p:set>
+                                      <p:cBhvr>
+                                        <p:cTn id="22" dur="1" fill="hold">
+                                          <p:stCondLst>
+                                            <p:cond delay="0"/>
+                                          </p:stCondLst>
+                                        </p:cTn>
+                                        <p:tgtEl>
+                                          <p:spTgt spid="4">
+                                            <p:txEl>
+                                              <p:pRg st="5" end="5"/>
+                                            </p:txEl>
+                                          </p:spTgt>
+                                        </p:tgtEl>
+                                        <p:attrNameLst>
+                                          <p:attrName>style.visibility</p:attrName>
+                                        </p:attrNameLst>
+                                      </p:cBhvr>
+                                      <p:to>
+                                        <p:strVal val="visible"/>
+                                      </p:to>
+                                    </p:set>
+                                  </p:childTnLst>
+                                </p:cTn>
+                              </p:par>
+                            </p:childTnLst>
+                          </p:cTn>
+                        </p:par>
+                      </p:childTnLst>
+                    </p:cTn>
+                  </p:par>
+                  <p:par>
+                    <p:cTn id="23" fill="hold">
+                      <p:stCondLst>
+                        <p:cond delay="indefinite"/>
+                      </p:stCondLst>
+                      <p:childTnLst>
+                        <p:par>
+                          <p:cTn id="24" fill="hold">
+                            <p:stCondLst>
+                              <p:cond delay="0"/>
+                            </p:stCondLst>
+                            <p:childTnLst>
+                              <p:par>
+                                <p:cTn id="25" presetID="1" presetClass="entr" presetSubtype="0" fill="hold" nodeType="clickEffect">
+                                  <p:stCondLst>
+                                    <p:cond delay="0"/>
+                                  </p:stCondLst>
+                                  <p:childTnLst>
+                                    <p:set>
+                                      <p:cBhvr>
+                                        <p:cTn id="26" dur="1" fill="hold">
+                                          <p:stCondLst>
+                                            <p:cond delay="0"/>
+                                          </p:stCondLst>
+                                        </p:cTn>
+                                        <p:tgtEl>
+                                          <p:spTgt spid="4">
+                                            <p:txEl>
+                                              <p:pRg st="6" end="6"/>
+                                            </p:txEl>
+                                          </p:spTgt>
+                                        </p:tgtEl>
+                                        <p:attrNameLst>
+                                          <p:attrName>style.visibility</p:attrName>
+                                        </p:attrNameLst>
+                                      </p:cBhvr>
+                                      <p:to>
+                                        <p:strVal val="visible"/>
+                                      </p:to>
+                                    </p:set>
+                                  </p:childTnLst>
+                                </p:cTn>
+                              </p:par>
+                            </p:childTnLst>
+                          </p:cTn>
+                        </p:par>
+                      </p:childTnLst>
+                    </p:cTn>
+                  </p:par>
+                  <p:par>
+                    <p:cTn id="27" fill="hold">
+                      <p:stCondLst>
+                        <p:cond delay="indefinite"/>
+                      </p:stCondLst>
+                      <p:childTnLst>
+                        <p:par>
+                          <p:cTn id="28" fill="hold">
+                            <p:stCondLst>
+                              <p:cond delay="0"/>
+                            </p:stCondLst>
+                            <p:childTnLst>
+                              <p:par>
+                                <p:cTn id="29" presetID="1" presetClass="entr" presetSubtype="0" fill="hold" nodeType="clickEffect">
+                                  <p:stCondLst>
+                                    <p:cond delay="0"/>
+                                  </p:stCondLst>
+                                  <p:childTnLst>
+                                    <p:set>
+                                      <p:cBhvr>
+                                        <p:cTn id="30" dur="1" fill="hold">
+                                          <p:stCondLst>
+                                            <p:cond delay="0"/>
+                                          </p:stCondLst>
+                                        </p:cTn>
+                                        <p:tgtEl>
+                                          <p:spTgt spid="4">
+                                            <p:txEl>
+                                              <p:pRg st="7" end="7"/>
+                                            </p:txEl>
+                                          </p:spTgt>
+                                        </p:tgtEl>
+                                        <p:attrNameLst>
+                                          <p:attrName>style.visibility</p:attrName>
+                                        </p:attrNameLst>
+                                      </p:cBhvr>
+                                      <p:to>
+                                        <p:strVal val="visible"/>
+                                      </p:to>
+                                    </p:set>
+                                  </p:childTnLst>
+                                </p:cTn>
+                              </p:par>
+                            </p:childTnLst>
+                          </p:cTn>
+                        </p:par>
+                      </p:childTnLst>
+                    </p:cTn>
+                  </p:par>
+                  <p:par>
+                    <p:cTn id="31" fill="hold">
+                      <p:stCondLst>
+                        <p:cond delay="indefinite"/>
+                      </p:stCondLst>
+                      <p:childTnLst>
+                        <p:par>
+                          <p:cTn id="32" fill="hold">
+                            <p:stCondLst>
+                              <p:cond delay="0"/>
+                            </p:stCondLst>
+                            <p:childTnLst>
+                              <p:par>
+                                <p:cTn id="33" presetID="1" presetClass="entr" presetSubtype="0" fill="hold" nodeType="clickEffect">
+                                  <p:stCondLst>
+                                    <p:cond delay="0"/>
+                                  </p:stCondLst>
+                                  <p:childTnLst>
+                                    <p:set>
+                                      <p:cBhvr>
+                                        <p:cTn id="34" dur="1" fill="hold">
+                                          <p:stCondLst>
+                                            <p:cond delay="0"/>
+                                          </p:stCondLst>
+                                        </p:cTn>
+                                        <p:tgtEl>
+                                          <p:spTgt spid="4">
+                                            <p:txEl>
+                                              <p:pRg st="8" end="8"/>
+                                            </p:txEl>
+                                          </p:spTgt>
+                                        </p:tgtEl>
+                                        <p:attrNameLst>
+                                          <p:attrName>style.visibility</p:attrName>
+                                        </p:attrNameLst>
+                                      </p:cBhvr>
+                                      <p:to>
+                                        <p:strVal val="visible"/>
+                                      </p:to>
+                                    </p:set>
+                                  </p:childTnLst>
+                                </p:cTn>
+                              </p:par>
+                            </p:childTnLst>
+                          </p:cTn>
+                        </p:par>
+                      </p:childTnLst>
+                    </p:cTn>
+                  </p:par>
+                  <p:par>
+                    <p:cTn id="35" fill="hold">
+                      <p:stCondLst>
+                        <p:cond delay="indefinite"/>
+                      </p:stCondLst>
+                      <p:childTnLst>
+                        <p:par>
+                          <p:cTn id="36" fill="hold">
+                            <p:stCondLst>
+                              <p:cond delay="0"/>
+                            </p:stCondLst>
+                            <p:childTnLst>
+                              <p:par>
+                                <p:cTn id="37" presetID="1" presetClass="entr" presetSubtype="0" fill="hold" nodeType="clickEffect">
+                                  <p:stCondLst>
+                                    <p:cond delay="0"/>
+                                  </p:stCondLst>
+                                  <p:childTnLst>
+                                    <p:set>
+                                      <p:cBhvr>
+                                        <p:cTn id="38" dur="1" fill="hold">
+                                          <p:stCondLst>
+                                            <p:cond delay="0"/>
+                                          </p:stCondLst>
+                                        </p:cTn>
+                                        <p:tgtEl>
+                                          <p:spTgt spid="4">
+                                            <p:txEl>
+                                              <p:pRg st="9" end="9"/>
+                                            </p:txEl>
+                                          </p:spTgt>
+                                        </p:tgtEl>
+                                        <p:attrNameLst>
+                                          <p:attrName>style.visibility</p:attrName>
+                                        </p:attrNameLst>
+                                      </p:cBhvr>
+                                      <p:to>
+                                        <p:strVal val="visible"/>
+                                      </p:to>
+                                    </p:set>
+                                  </p:childTnLst>
+                                </p:cTn>
+                              </p:par>
+                            </p:childTnLst>
+                          </p:cTn>
+                        </p:par>
+                      </p:childTnLst>
+                    </p:cTn>
+                  </p:par>
+                  <p:par>
+                    <p:cTn id="39" fill="hold">
+                      <p:stCondLst>
+                        <p:cond delay="indefinite"/>
+                      </p:stCondLst>
+                      <p:childTnLst>
+                        <p:par>
+                          <p:cTn id="40" fill="hold">
+                            <p:stCondLst>
+                              <p:cond delay="0"/>
+                            </p:stCondLst>
+                            <p:childTnLst>
+                              <p:par>
+                                <p:cTn id="41" presetID="1" presetClass="entr" presetSubtype="0" fill="hold" nodeType="clickEffect">
+                                  <p:stCondLst>
+                                    <p:cond delay="0"/>
+                                  </p:stCondLst>
+                                  <p:childTnLst>
+                                    <p:set>
+                                      <p:cBhvr>
+                                        <p:cTn id="42" dur="1" fill="hold">
+                                          <p:stCondLst>
+                                            <p:cond delay="0"/>
+                                          </p:stCondLst>
+                                        </p:cTn>
+                                        <p:tgtEl>
+                                          <p:spTgt spid="4">
+                                            <p:txEl>
+                                              <p:pRg st="10" end="10"/>
+                                            </p:txEl>
+                                          </p:spTgt>
+                                        </p:tgtEl>
+                                        <p:attrNameLst>
+                                          <p:attrName>style.visibility</p:attrName>
+                                        </p:attrNameLst>
+                                      </p:cBhvr>
+                                      <p:to>
+                                        <p:strVal val="visible"/>
+                                      </p:to>
+                                    </p:set>
+                                  </p:childTnLst>
+                                </p:cTn>
+                              </p:par>
+                            </p:childTnLst>
+                          </p:cTn>
+                        </p:par>
+                      </p:childTnLst>
+                    </p:cTn>
+                  </p:par>
+                  <p:par>
+                    <p:cTn id="43" fill="hold">
+                      <p:stCondLst>
+                        <p:cond delay="indefinite"/>
+                      </p:stCondLst>
+                      <p:childTnLst>
+                        <p:par>
+                          <p:cTn id="44" fill="hold">
+                            <p:stCondLst>
+                              <p:cond delay="0"/>
+                            </p:stCondLst>
+                            <p:childTnLst>
+                              <p:par>
+                                <p:cTn id="45" presetID="1" presetClass="entr" presetSubtype="0" fill="hold" nodeType="clickEffect">
+                                  <p:stCondLst>
+                                    <p:cond delay="0"/>
+                                  </p:stCondLst>
+                                  <p:childTnLst>
+                                    <p:set>
+                                      <p:cBhvr>
+                                        <p:cTn id="46" dur="1" fill="hold">
+                                          <p:stCondLst>
+                                            <p:cond delay="0"/>
+                                          </p:stCondLst>
+                                        </p:cTn>
+                                        <p:tgtEl>
+                                          <p:spTgt spid="4">
+                                            <p:txEl>
+                                              <p:pRg st="11" end="11"/>
+                                            </p:txEl>
+                                          </p:spTgt>
+                                        </p:tgtEl>
+                                        <p:attrNameLst>
+                                          <p:attrName>style.visibility</p:attrName>
+                                        </p:attrNameLst>
+                                      </p:cBhvr>
+                                      <p:to>
+                                        <p:strVal val="visible"/>
+                                      </p:to>
+                                    </p:set>
+                                  </p:childTnLst>
+                                </p:cTn>
+                              </p:par>
+                            </p:childTnLst>
+                          </p:cTn>
+                        </p:par>
+                      </p:childTnLst>
+                    </p:cTn>
+                  </p:par>
+                  <p:par>
+                    <p:cTn id="47" fill="hold">
+                      <p:stCondLst>
+                        <p:cond delay="indefinite"/>
+                      </p:stCondLst>
+                      <p:childTnLst>
+                        <p:par>
+                          <p:cTn id="48" fill="hold">
+                            <p:stCondLst>
+                              <p:cond delay="0"/>
+                            </p:stCondLst>
+                            <p:childTnLst>
+                              <p:par>
+                                <p:cTn id="49" presetID="1" presetClass="entr" presetSubtype="0" fill="hold" nodeType="clickEffect">
+                                  <p:stCondLst>
+                                    <p:cond delay="0"/>
+                                  </p:stCondLst>
+                                  <p:childTnLst>
+                                    <p:set>
+                                      <p:cBhvr>
+                                        <p:cTn id="50" dur="1" fill="hold">
+                                          <p:stCondLst>
+                                            <p:cond delay="0"/>
+                                          </p:stCondLst>
+                                        </p:cTn>
+                                        <p:tgtEl>
+                                          <p:spTgt spid="4">
+                                            <p:txEl>
+                                              <p:pRg st="12" end="12"/>
+                                            </p:txEl>
+                                          </p:spTgt>
+                                        </p:tgtEl>
+                                        <p:attrNameLst>
+                                          <p:attrName>style.visibility</p:attrName>
+                                        </p:attrNameLst>
+                                      </p:cBhvr>
+                                      <p:to>
+                                        <p:strVal val="visible"/>
+                                      </p:to>
+                                    </p:set>
+                                  </p:childTnLst>
+                                </p:cTn>
+                              </p:par>
+                            </p:childTnLst>
+                          </p:cTn>
+                        </p:par>
+                      </p:childTnLst>
+                    </p:cTn>
+                  </p:par>
+                  <p:par>
+                    <p:cTn id="51" fill="hold">
+                      <p:stCondLst>
+                        <p:cond delay="indefinite"/>
+                      </p:stCondLst>
+                      <p:childTnLst>
+                        <p:par>
+                          <p:cTn id="52" fill="hold">
+                            <p:stCondLst>
+                              <p:cond delay="0"/>
+                            </p:stCondLst>
+                            <p:childTnLst>
+                              <p:par>
+                                <p:cTn id="53" presetID="1" presetClass="entr" presetSubtype="0" fill="hold" nodeType="clickEffect">
+                                  <p:stCondLst>
+                                    <p:cond delay="0"/>
+                                  </p:stCondLst>
+                                  <p:childTnLst>
+                                    <p:set>
+                                      <p:cBhvr>
+                                        <p:cTn id="54" dur="1" fill="hold">
+                                          <p:stCondLst>
+                                            <p:cond delay="0"/>
+                                          </p:stCondLst>
+                                        </p:cTn>
+                                        <p:tgtEl>
+                                          <p:spTgt spid="4">
+                                            <p:txEl>
+                                              <p:pRg st="13" end="13"/>
+                                            </p:txEl>
+                                          </p:spTgt>
                                         </p:tgtEl>
                                         <p:attrNameLst>
                                           <p:attrName>style.visibility</p:attrName>

--- a/slides/Tag1_2Nachmittag_Nr2_Raschmodell_als_GLMM/03_Raschmodell_als_GLMM.pptx
+++ b/slides/Tag1_2Nachmittag_Nr2_Raschmodell_als_GLMM/03_Raschmodell_als_GLMM.pptx
@@ -315,7 +315,7 @@
               <a:pPr>
                 <a:defRPr/>
               </a:pPr>
-              <a:t>23.09.2024</a:t>
+              <a:t>01.10.2024</a:t>
             </a:fld>
             <a:endParaRPr lang="de-DE"/>
           </a:p>
@@ -513,7 +513,7 @@
               <a:pPr>
                 <a:defRPr/>
               </a:pPr>
-              <a:t>23.09.2024</a:t>
+              <a:t>01.10.2024</a:t>
             </a:fld>
             <a:endParaRPr lang="de-DE"/>
           </a:p>
@@ -7147,7 +7147,7 @@
               <a:pPr>
                 <a:defRPr/>
               </a:pPr>
-              <a:t>23.09.2024</a:t>
+              <a:t>01.10.2024</a:t>
             </a:fld>
             <a:endParaRPr lang="de-DE" dirty="0"/>
           </a:p>
@@ -19468,7 +19468,7 @@
           <a:graphicData uri="http://schemas.openxmlformats.org/presentationml/2006/ole">
             <mc:AlternateContent xmlns:mc="http://schemas.openxmlformats.org/markup-compatibility/2006">
               <mc:Choice xmlns:v="urn:schemas-microsoft-com:vml" Requires="v">
-                <p:oleObj spid="_x0000_s355368" name="Formel" r:id="rId4" imgW="1638300" imgH="228600" progId="Equation.3">
+                <p:oleObj spid="_x0000_s355376" name="Formel" r:id="rId4" imgW="1638300" imgH="228600" progId="Equation.3">
                   <p:embed/>
                 </p:oleObj>
               </mc:Choice>
@@ -19638,7 +19638,7 @@
           <a:graphicData uri="http://schemas.openxmlformats.org/presentationml/2006/ole">
             <mc:AlternateContent xmlns:mc="http://schemas.openxmlformats.org/markup-compatibility/2006">
               <mc:Choice xmlns:v="urn:schemas-microsoft-com:vml" Requires="v">
-                <p:oleObj spid="_x0000_s355369" r:id="rId6" imgW="2120900" imgH="444500" progId="Equation.3">
+                <p:oleObj spid="_x0000_s355377" r:id="rId6" imgW="2120900" imgH="444500" progId="Equation.3">
                   <p:embed/>
                 </p:oleObj>
               </mc:Choice>
@@ -19789,7 +19789,7 @@
           <a:graphicData uri="http://schemas.openxmlformats.org/presentationml/2006/ole">
             <mc:AlternateContent xmlns:mc="http://schemas.openxmlformats.org/markup-compatibility/2006">
               <mc:Choice xmlns:v="urn:schemas-microsoft-com:vml" Requires="v">
-                <p:oleObj spid="_x0000_s355370" r:id="rId8" imgW="2120900" imgH="444500" progId="Equation.3">
+                <p:oleObj spid="_x0000_s355378" r:id="rId8" imgW="2120900" imgH="444500" progId="Equation.3">
                   <p:embed/>
                 </p:oleObj>
               </mc:Choice>
@@ -19946,7 +19946,7 @@
           <a:graphicData uri="http://schemas.openxmlformats.org/presentationml/2006/ole">
             <mc:AlternateContent xmlns:mc="http://schemas.openxmlformats.org/markup-compatibility/2006">
               <mc:Choice xmlns:v="urn:schemas-microsoft-com:vml" Requires="v">
-                <p:oleObj spid="_x0000_s355371" r:id="rId9" imgW="914400" imgH="254000" progId="Equation.3">
+                <p:oleObj spid="_x0000_s355379" r:id="rId9" imgW="914400" imgH="254000" progId="Equation.3">
                   <p:embed/>
                 </p:oleObj>
               </mc:Choice>
@@ -22420,7 +22420,7 @@
           <a:graphicData uri="http://schemas.openxmlformats.org/presentationml/2006/ole">
             <mc:AlternateContent xmlns:mc="http://schemas.openxmlformats.org/markup-compatibility/2006">
               <mc:Choice xmlns:v="urn:schemas-microsoft-com:vml" Requires="v">
-                <p:oleObj spid="_x0000_s356377" r:id="rId4" imgW="800100" imgH="228600" progId="Equation.3">
+                <p:oleObj spid="_x0000_s356385" r:id="rId4" imgW="800100" imgH="228600" progId="Equation.3">
                   <p:embed/>
                 </p:oleObj>
               </mc:Choice>
@@ -22571,7 +22571,7 @@
           <a:graphicData uri="http://schemas.openxmlformats.org/presentationml/2006/ole">
             <mc:AlternateContent xmlns:mc="http://schemas.openxmlformats.org/markup-compatibility/2006">
               <mc:Choice xmlns:v="urn:schemas-microsoft-com:vml" Requires="v">
-                <p:oleObj spid="_x0000_s356378" r:id="rId6" imgW="1511300" imgH="482600" progId="Equation.3">
+                <p:oleObj spid="_x0000_s356386" r:id="rId6" imgW="1511300" imgH="482600" progId="Equation.3">
                   <p:embed/>
                 </p:oleObj>
               </mc:Choice>
@@ -22722,7 +22722,7 @@
           <a:graphicData uri="http://schemas.openxmlformats.org/presentationml/2006/ole">
             <mc:AlternateContent xmlns:mc="http://schemas.openxmlformats.org/markup-compatibility/2006">
               <mc:Choice xmlns:v="urn:schemas-microsoft-com:vml" Requires="v">
-                <p:oleObj spid="_x0000_s356379" r:id="rId8" imgW="1358900" imgH="228600" progId="Equation.3">
+                <p:oleObj spid="_x0000_s356387" r:id="rId8" imgW="1358900" imgH="228600" progId="Equation.3">
                   <p:embed/>
                 </p:oleObj>
               </mc:Choice>
@@ -22873,7 +22873,7 @@
           <a:graphicData uri="http://schemas.openxmlformats.org/presentationml/2006/ole">
             <mc:AlternateContent xmlns:mc="http://schemas.openxmlformats.org/markup-compatibility/2006">
               <mc:Choice xmlns:v="urn:schemas-microsoft-com:vml" Requires="v">
-                <p:oleObj spid="_x0000_s356380" r:id="rId10" imgW="1130300" imgH="228600" progId="Equation.3">
+                <p:oleObj spid="_x0000_s356388" r:id="rId10" imgW="1130300" imgH="228600" progId="Equation.3">
                   <p:embed/>
                 </p:oleObj>
               </mc:Choice>
@@ -23950,11 +23950,113 @@
               </a:rPr>
               <a:t>Personenseite</a:t>
             </a:r>
+            <a:endParaRPr lang="en-US" altLang="de-DE" sz="1400" dirty="0">
+              <a:latin typeface="Calibri" pitchFamily="34" charset="0"/>
+            </a:endParaRPr>
+          </a:p>
+          <a:p>
+            <a:pPr lvl="2">
+              <a:lnSpc>
+                <a:spcPct val="114000"/>
+              </a:lnSpc>
+              <a:spcBef>
+                <a:spcPts val="600"/>
+              </a:spcBef>
+              <a:buClr>
+                <a:srgbClr val="A61B1E"/>
+              </a:buClr>
+              <a:buFontTx/>
+              <a:buChar char="–"/>
+            </a:pPr>
+            <a:r>
+              <a:rPr lang="en-US" altLang="de-DE" sz="1400" dirty="0" err="1">
+                <a:latin typeface="Calibri" pitchFamily="34" charset="0"/>
+              </a:rPr>
+              <a:t>Prädiktoren</a:t>
+            </a:r>
             <a:r>
               <a:rPr lang="en-US" altLang="de-DE" sz="1400" dirty="0">
                 <a:latin typeface="Calibri" pitchFamily="34" charset="0"/>
               </a:rPr>
               <a:t> </a:t>
+            </a:r>
+            <a:r>
+              <a:rPr lang="en-US" altLang="de-DE" sz="1400" dirty="0" err="1">
+                <a:latin typeface="Calibri" pitchFamily="34" charset="0"/>
+              </a:rPr>
+              <a:t>müssen</a:t>
+            </a:r>
+            <a:r>
+              <a:rPr lang="en-US" altLang="de-DE" sz="1400" dirty="0">
+                <a:latin typeface="Calibri" pitchFamily="34" charset="0"/>
+              </a:rPr>
+              <a:t> </a:t>
+            </a:r>
+            <a:r>
+              <a:rPr lang="en-US" altLang="de-DE" sz="1400" dirty="0" err="1">
+                <a:latin typeface="Calibri" pitchFamily="34" charset="0"/>
+              </a:rPr>
+              <a:t>immer</a:t>
+            </a:r>
+            <a:r>
+              <a:rPr lang="en-US" altLang="de-DE" sz="1400" dirty="0">
+                <a:latin typeface="Calibri" pitchFamily="34" charset="0"/>
+              </a:rPr>
+              <a:t> manifest sein </a:t>
+            </a:r>
+          </a:p>
+          <a:p>
+            <a:pPr lvl="2">
+              <a:lnSpc>
+                <a:spcPct val="114000"/>
+              </a:lnSpc>
+              <a:spcBef>
+                <a:spcPts val="600"/>
+              </a:spcBef>
+              <a:buClr>
+                <a:srgbClr val="A61B1E"/>
+              </a:buClr>
+              <a:buFontTx/>
+              <a:buChar char="–"/>
+            </a:pPr>
+            <a:r>
+              <a:rPr lang="en-US" altLang="de-DE" sz="1400" b="1" dirty="0">
+                <a:latin typeface="Calibri" pitchFamily="34" charset="0"/>
+              </a:rPr>
+              <a:t>UVs:</a:t>
+            </a:r>
+            <a:r>
+              <a:rPr lang="en-US" altLang="de-DE" sz="1400" dirty="0">
+                <a:latin typeface="Calibri" pitchFamily="34" charset="0"/>
+              </a:rPr>
+              <a:t> manifest</a:t>
+            </a:r>
+          </a:p>
+          <a:p>
+            <a:pPr lvl="2">
+              <a:lnSpc>
+                <a:spcPct val="114000"/>
+              </a:lnSpc>
+              <a:spcBef>
+                <a:spcPts val="600"/>
+              </a:spcBef>
+              <a:buClr>
+                <a:srgbClr val="A61B1E"/>
+              </a:buClr>
+              <a:buFontTx/>
+              <a:buChar char="–"/>
+            </a:pPr>
+            <a:r>
+              <a:rPr lang="en-US" altLang="de-DE" sz="1400" b="1" dirty="0">
+                <a:latin typeface="Calibri" pitchFamily="34" charset="0"/>
+              </a:rPr>
+              <a:t>AVs:</a:t>
+            </a:r>
+            <a:r>
+              <a:rPr lang="en-US" altLang="de-DE" sz="1400" dirty="0">
+                <a:latin typeface="Calibri" pitchFamily="34" charset="0"/>
+              </a:rPr>
+              <a:t> latent</a:t>
             </a:r>
           </a:p>
           <a:p>
@@ -24659,7 +24761,7 @@
           <a:graphicData uri="http://schemas.openxmlformats.org/presentationml/2006/ole">
             <mc:AlternateContent xmlns:mc="http://schemas.openxmlformats.org/markup-compatibility/2006">
               <mc:Choice xmlns:v="urn:schemas-microsoft-com:vml" Requires="v">
-                <p:oleObj spid="_x0000_s354337" name="Formel" r:id="rId4" imgW="1638300" imgH="228600" progId="Equation.3">
+                <p:oleObj spid="_x0000_s354343" name="Formel" r:id="rId4" imgW="1638300" imgH="228600" progId="Equation.3">
                   <p:embed/>
                 </p:oleObj>
               </mc:Choice>
@@ -24829,7 +24931,7 @@
           <a:graphicData uri="http://schemas.openxmlformats.org/presentationml/2006/ole">
             <mc:AlternateContent xmlns:mc="http://schemas.openxmlformats.org/markup-compatibility/2006">
               <mc:Choice xmlns:v="urn:schemas-microsoft-com:vml" Requires="v">
-                <p:oleObj spid="_x0000_s354338" r:id="rId6" imgW="876300" imgH="228600" progId="Equation.3">
+                <p:oleObj spid="_x0000_s354344" r:id="rId6" imgW="876300" imgH="228600" progId="Equation.3">
                   <p:embed/>
                 </p:oleObj>
               </mc:Choice>
@@ -24980,7 +25082,7 @@
           <a:graphicData uri="http://schemas.openxmlformats.org/presentationml/2006/ole">
             <mc:AlternateContent xmlns:mc="http://schemas.openxmlformats.org/markup-compatibility/2006">
               <mc:Choice xmlns:v="urn:schemas-microsoft-com:vml" Requires="v">
-                <p:oleObj spid="_x0000_s354339" r:id="rId8" imgW="876300" imgH="241300" progId="Equation.3">
+                <p:oleObj spid="_x0000_s354345" r:id="rId8" imgW="876300" imgH="241300" progId="Equation.3">
                   <p:embed/>
                 </p:oleObj>
               </mc:Choice>
@@ -25466,6 +25568,153 @@
                                     <p:set>
                                       <p:cBhvr>
                                         <p:cTn id="38" dur="1" fill="hold">
+                                          <p:stCondLst>
+                                            <p:cond delay="0"/>
+                                          </p:stCondLst>
+                                        </p:cTn>
+                                        <p:tgtEl>
+                                          <p:spTgt spid="4">
+                                            <p:txEl>
+                                              <p:pRg st="9" end="9"/>
+                                            </p:txEl>
+                                          </p:spTgt>
+                                        </p:tgtEl>
+                                        <p:attrNameLst>
+                                          <p:attrName>style.visibility</p:attrName>
+                                        </p:attrNameLst>
+                                      </p:cBhvr>
+                                      <p:to>
+                                        <p:strVal val="visible"/>
+                                      </p:to>
+                                    </p:set>
+                                  </p:childTnLst>
+                                </p:cTn>
+                              </p:par>
+                            </p:childTnLst>
+                          </p:cTn>
+                        </p:par>
+                      </p:childTnLst>
+                    </p:cTn>
+                  </p:par>
+                  <p:par>
+                    <p:cTn id="39" fill="hold">
+                      <p:stCondLst>
+                        <p:cond delay="indefinite"/>
+                      </p:stCondLst>
+                      <p:childTnLst>
+                        <p:par>
+                          <p:cTn id="40" fill="hold">
+                            <p:stCondLst>
+                              <p:cond delay="0"/>
+                            </p:stCondLst>
+                            <p:childTnLst>
+                              <p:par>
+                                <p:cTn id="41" presetID="1" presetClass="entr" presetSubtype="0" fill="hold" nodeType="clickEffect">
+                                  <p:stCondLst>
+                                    <p:cond delay="0"/>
+                                  </p:stCondLst>
+                                  <p:childTnLst>
+                                    <p:set>
+                                      <p:cBhvr>
+                                        <p:cTn id="42" dur="1" fill="hold">
+                                          <p:stCondLst>
+                                            <p:cond delay="0"/>
+                                          </p:stCondLst>
+                                        </p:cTn>
+                                        <p:tgtEl>
+                                          <p:spTgt spid="4">
+                                            <p:txEl>
+                                              <p:pRg st="10" end="10"/>
+                                            </p:txEl>
+                                          </p:spTgt>
+                                        </p:tgtEl>
+                                        <p:attrNameLst>
+                                          <p:attrName>style.visibility</p:attrName>
+                                        </p:attrNameLst>
+                                      </p:cBhvr>
+                                      <p:to>
+                                        <p:strVal val="visible"/>
+                                      </p:to>
+                                    </p:set>
+                                  </p:childTnLst>
+                                </p:cTn>
+                              </p:par>
+                            </p:childTnLst>
+                          </p:cTn>
+                        </p:par>
+                      </p:childTnLst>
+                    </p:cTn>
+                  </p:par>
+                  <p:par>
+                    <p:cTn id="43" fill="hold">
+                      <p:stCondLst>
+                        <p:cond delay="indefinite"/>
+                      </p:stCondLst>
+                      <p:childTnLst>
+                        <p:par>
+                          <p:cTn id="44" fill="hold">
+                            <p:stCondLst>
+                              <p:cond delay="0"/>
+                            </p:stCondLst>
+                            <p:childTnLst>
+                              <p:par>
+                                <p:cTn id="45" presetID="1" presetClass="entr" presetSubtype="0" fill="hold" nodeType="clickEffect">
+                                  <p:stCondLst>
+                                    <p:cond delay="0"/>
+                                  </p:stCondLst>
+                                  <p:childTnLst>
+                                    <p:set>
+                                      <p:cBhvr>
+                                        <p:cTn id="46" dur="1" fill="hold">
+                                          <p:stCondLst>
+                                            <p:cond delay="0"/>
+                                          </p:stCondLst>
+                                        </p:cTn>
+                                        <p:tgtEl>
+                                          <p:spTgt spid="4">
+                                            <p:txEl>
+                                              <p:pRg st="11" end="11"/>
+                                            </p:txEl>
+                                          </p:spTgt>
+                                        </p:tgtEl>
+                                        <p:attrNameLst>
+                                          <p:attrName>style.visibility</p:attrName>
+                                        </p:attrNameLst>
+                                      </p:cBhvr>
+                                      <p:to>
+                                        <p:strVal val="visible"/>
+                                      </p:to>
+                                    </p:set>
+                                  </p:childTnLst>
+                                </p:cTn>
+                              </p:par>
+                            </p:childTnLst>
+                          </p:cTn>
+                        </p:par>
+                      </p:childTnLst>
+                    </p:cTn>
+                  </p:par>
+                  <p:par>
+                    <p:cTn id="47" fill="hold">
+                      <p:stCondLst>
+                        <p:cond delay="indefinite"/>
+                      </p:stCondLst>
+                      <p:childTnLst>
+                        <p:par>
+                          <p:cTn id="48" fill="hold">
+                            <p:stCondLst>
+                              <p:cond delay="0"/>
+                            </p:stCondLst>
+                            <p:childTnLst>
+                              <p:par>
+                                <p:cTn id="49" presetID="1" presetClass="entr" presetSubtype="0" fill="hold" nodeType="clickEffect">
+                                  <p:stCondLst>
+                                    <p:cond delay="0"/>
+                                  </p:stCondLst>
+                                  <p:childTnLst>
+                                    <p:set>
+                                      <p:cBhvr>
+                                        <p:cTn id="50" dur="1" fill="hold">
                                           <p:stCondLst>
                                             <p:cond delay="0"/>
                                           </p:stCondLst>

--- a/slides/Tag1_2Nachmittag_Nr2_Raschmodell_als_GLMM/03_Raschmodell_als_GLMM.pptx
+++ b/slides/Tag1_2Nachmittag_Nr2_Raschmodell_als_GLMM/03_Raschmodell_als_GLMM.pptx
@@ -315,7 +315,7 @@
               <a:pPr>
                 <a:defRPr/>
               </a:pPr>
-              <a:t>01.10.2024</a:t>
+              <a:t>13.10.2024</a:t>
             </a:fld>
             <a:endParaRPr lang="de-DE"/>
           </a:p>
@@ -513,7 +513,7 @@
               <a:pPr>
                 <a:defRPr/>
               </a:pPr>
-              <a:t>01.10.2024</a:t>
+              <a:t>13.10.2024</a:t>
             </a:fld>
             <a:endParaRPr lang="de-DE"/>
           </a:p>
@@ -7147,7 +7147,7 @@
               <a:pPr>
                 <a:defRPr/>
               </a:pPr>
-              <a:t>01.10.2024</a:t>
+              <a:t>13.10.2024</a:t>
             </a:fld>
             <a:endParaRPr lang="de-DE" dirty="0"/>
           </a:p>
@@ -19468,7 +19468,7 @@
           <a:graphicData uri="http://schemas.openxmlformats.org/presentationml/2006/ole">
             <mc:AlternateContent xmlns:mc="http://schemas.openxmlformats.org/markup-compatibility/2006">
               <mc:Choice xmlns:v="urn:schemas-microsoft-com:vml" Requires="v">
-                <p:oleObj spid="_x0000_s355376" name="Formel" r:id="rId4" imgW="1638300" imgH="228600" progId="Equation.3">
+                <p:oleObj spid="_x0000_s355384" name="Formel" r:id="rId4" imgW="1638300" imgH="228600" progId="Equation.3">
                   <p:embed/>
                 </p:oleObj>
               </mc:Choice>
@@ -19638,7 +19638,7 @@
           <a:graphicData uri="http://schemas.openxmlformats.org/presentationml/2006/ole">
             <mc:AlternateContent xmlns:mc="http://schemas.openxmlformats.org/markup-compatibility/2006">
               <mc:Choice xmlns:v="urn:schemas-microsoft-com:vml" Requires="v">
-                <p:oleObj spid="_x0000_s355377" r:id="rId6" imgW="2120900" imgH="444500" progId="Equation.3">
+                <p:oleObj spid="_x0000_s355385" r:id="rId6" imgW="2120900" imgH="444500" progId="Equation.3">
                   <p:embed/>
                 </p:oleObj>
               </mc:Choice>
@@ -19789,7 +19789,7 @@
           <a:graphicData uri="http://schemas.openxmlformats.org/presentationml/2006/ole">
             <mc:AlternateContent xmlns:mc="http://schemas.openxmlformats.org/markup-compatibility/2006">
               <mc:Choice xmlns:v="urn:schemas-microsoft-com:vml" Requires="v">
-                <p:oleObj spid="_x0000_s355378" r:id="rId8" imgW="2120900" imgH="444500" progId="Equation.3">
+                <p:oleObj spid="_x0000_s355386" r:id="rId8" imgW="2120900" imgH="444500" progId="Equation.3">
                   <p:embed/>
                 </p:oleObj>
               </mc:Choice>
@@ -19946,7 +19946,7 @@
           <a:graphicData uri="http://schemas.openxmlformats.org/presentationml/2006/ole">
             <mc:AlternateContent xmlns:mc="http://schemas.openxmlformats.org/markup-compatibility/2006">
               <mc:Choice xmlns:v="urn:schemas-microsoft-com:vml" Requires="v">
-                <p:oleObj spid="_x0000_s355379" r:id="rId9" imgW="914400" imgH="254000" progId="Equation.3">
+                <p:oleObj spid="_x0000_s355387" r:id="rId9" imgW="914400" imgH="254000" progId="Equation.3">
                   <p:embed/>
                 </p:oleObj>
               </mc:Choice>
@@ -21371,6 +21371,9 @@
             </a:pPr>
             <a:r>
               <a:rPr lang="en-US" altLang="de-DE" sz="1400" dirty="0" err="1">
+                <a:highlight>
+                  <a:srgbClr val="FFFF00"/>
+                </a:highlight>
                 <a:latin typeface="Calibri" pitchFamily="34" charset="0"/>
               </a:rPr>
               <a:t>Modellgleichung</a:t>
@@ -21406,6 +21409,9 @@
             </a:pPr>
             <a:r>
               <a:rPr lang="en-US" altLang="de-DE" sz="1400" dirty="0" err="1">
+                <a:highlight>
+                  <a:srgbClr val="F3DBAB"/>
+                </a:highlight>
                 <a:latin typeface="Calibri" pitchFamily="34" charset="0"/>
               </a:rPr>
               <a:t>Transformationsfunktion</a:t>
@@ -21441,9 +21447,18 @@
             </a:pPr>
             <a:r>
               <a:rPr lang="en-US" altLang="de-DE" sz="1400" dirty="0">
-                <a:latin typeface="Calibri" pitchFamily="34" charset="0"/>
-              </a:rPr>
-              <a:t>Random component:                                                </a:t>
+                <a:highlight>
+                  <a:srgbClr val="CCCCFF"/>
+                </a:highlight>
+                <a:latin typeface="Calibri" pitchFamily="34" charset="0"/>
+              </a:rPr>
+              <a:t>Random component</a:t>
+            </a:r>
+            <a:r>
+              <a:rPr lang="en-US" altLang="de-DE" sz="1400" dirty="0">
+                <a:latin typeface="Calibri" pitchFamily="34" charset="0"/>
+              </a:rPr>
+              <a:t>:                                                </a:t>
             </a:r>
             <a:r>
               <a:rPr lang="en-US" altLang="de-DE" sz="1400" dirty="0" err="1">
@@ -21468,6 +21483,406 @@
               </a:rPr>
               <a:t> </a:t>
             </a:r>
+          </a:p>
+          <a:p>
+            <a:pPr marL="800100" lvl="1" indent="-342900">
+              <a:lnSpc>
+                <a:spcPct val="114000"/>
+              </a:lnSpc>
+              <a:spcBef>
+                <a:spcPts val="600"/>
+              </a:spcBef>
+              <a:buClr>
+                <a:srgbClr val="A61B1E"/>
+              </a:buClr>
+              <a:buFont typeface="+mj-lt"/>
+              <a:buAutoNum type="arabicPeriod"/>
+            </a:pPr>
+            <a:endParaRPr lang="en-US" altLang="de-DE" sz="1400" dirty="0">
+              <a:latin typeface="Calibri" pitchFamily="34" charset="0"/>
+            </a:endParaRPr>
+          </a:p>
+          <a:p>
+            <a:pPr marL="0" indent="0" latinLnBrk="1">
+              <a:spcAft>
+                <a:spcPts val="1000"/>
+              </a:spcAft>
+            </a:pPr>
+            <a:r>
+              <a:rPr lang="en-US" sz="1200" i="1" dirty="0">
+                <a:solidFill>
+                  <a:srgbClr val="8F5902"/>
+                </a:solidFill>
+                <a:latin typeface="Consolas" panose="020B0609020204030204" pitchFamily="49" charset="0"/>
+                <a:ea typeface="Cambria" panose="02040503050406030204" pitchFamily="18" charset="0"/>
+                <a:cs typeface="Times New Roman" panose="02020603050405020304" pitchFamily="18" charset="0"/>
+              </a:rPr>
+              <a:t># </a:t>
+            </a:r>
+            <a:r>
+              <a:rPr lang="en-US" sz="1200" i="1" dirty="0" err="1">
+                <a:solidFill>
+                  <a:srgbClr val="8F5902"/>
+                </a:solidFill>
+                <a:latin typeface="Consolas" panose="020B0609020204030204" pitchFamily="49" charset="0"/>
+                <a:ea typeface="Cambria" panose="02040503050406030204" pitchFamily="18" charset="0"/>
+                <a:cs typeface="Times New Roman" panose="02020603050405020304" pitchFamily="18" charset="0"/>
+              </a:rPr>
+              <a:t>Raschmodell</a:t>
+            </a:r>
+            <a:r>
+              <a:rPr lang="en-US" sz="1200" i="1" dirty="0">
+                <a:solidFill>
+                  <a:srgbClr val="8F5902"/>
+                </a:solidFill>
+                <a:latin typeface="Consolas" panose="020B0609020204030204" pitchFamily="49" charset="0"/>
+                <a:ea typeface="Cambria" panose="02040503050406030204" pitchFamily="18" charset="0"/>
+                <a:cs typeface="Times New Roman" panose="02020603050405020304" pitchFamily="18" charset="0"/>
+              </a:rPr>
+              <a:t> </a:t>
+            </a:r>
+            <a:r>
+              <a:rPr lang="en-US" sz="1200" i="1" dirty="0" err="1">
+                <a:solidFill>
+                  <a:srgbClr val="8F5902"/>
+                </a:solidFill>
+                <a:latin typeface="Consolas" panose="020B0609020204030204" pitchFamily="49" charset="0"/>
+                <a:ea typeface="Cambria" panose="02040503050406030204" pitchFamily="18" charset="0"/>
+                <a:cs typeface="Times New Roman" panose="02020603050405020304" pitchFamily="18" charset="0"/>
+              </a:rPr>
+              <a:t>als</a:t>
+            </a:r>
+            <a:r>
+              <a:rPr lang="en-US" sz="1200" i="1" dirty="0">
+                <a:solidFill>
+                  <a:srgbClr val="8F5902"/>
+                </a:solidFill>
+                <a:latin typeface="Consolas" panose="020B0609020204030204" pitchFamily="49" charset="0"/>
+                <a:ea typeface="Cambria" panose="02040503050406030204" pitchFamily="18" charset="0"/>
+                <a:cs typeface="Times New Roman" panose="02020603050405020304" pitchFamily="18" charset="0"/>
+              </a:rPr>
+              <a:t> GLMM</a:t>
+            </a:r>
+            <a:br>
+              <a:rPr lang="en-US" sz="1200" dirty="0">
+                <a:latin typeface="Consolas" panose="020B0609020204030204" pitchFamily="49" charset="0"/>
+                <a:ea typeface="Cambria" panose="02040503050406030204" pitchFamily="18" charset="0"/>
+                <a:cs typeface="Times New Roman" panose="02020603050405020304" pitchFamily="18" charset="0"/>
+              </a:rPr>
+            </a:br>
+            <a:br>
+              <a:rPr lang="en-US" sz="1200" dirty="0">
+                <a:latin typeface="Consolas" panose="020B0609020204030204" pitchFamily="49" charset="0"/>
+                <a:ea typeface="Cambria" panose="02040503050406030204" pitchFamily="18" charset="0"/>
+                <a:cs typeface="Times New Roman" panose="02020603050405020304" pitchFamily="18" charset="0"/>
+              </a:rPr>
+            </a:br>
+            <a:r>
+              <a:rPr lang="en-US" sz="1200" dirty="0">
+                <a:latin typeface="Consolas" panose="020B0609020204030204" pitchFamily="49" charset="0"/>
+                <a:ea typeface="Cambria" panose="02040503050406030204" pitchFamily="18" charset="0"/>
+                <a:cs typeface="Times New Roman" panose="02020603050405020304" pitchFamily="18" charset="0"/>
+              </a:rPr>
+              <a:t>mod2 </a:t>
+            </a:r>
+            <a:r>
+              <a:rPr lang="en-US" sz="1200" dirty="0">
+                <a:solidFill>
+                  <a:srgbClr val="8F5902"/>
+                </a:solidFill>
+                <a:latin typeface="Consolas" panose="020B0609020204030204" pitchFamily="49" charset="0"/>
+                <a:ea typeface="Cambria" panose="02040503050406030204" pitchFamily="18" charset="0"/>
+                <a:cs typeface="Times New Roman" panose="02020603050405020304" pitchFamily="18" charset="0"/>
+              </a:rPr>
+              <a:t>&lt;-</a:t>
+            </a:r>
+            <a:r>
+              <a:rPr lang="en-US" sz="1200" dirty="0">
+                <a:latin typeface="Consolas" panose="020B0609020204030204" pitchFamily="49" charset="0"/>
+                <a:ea typeface="Cambria" panose="02040503050406030204" pitchFamily="18" charset="0"/>
+                <a:cs typeface="Times New Roman" panose="02020603050405020304" pitchFamily="18" charset="0"/>
+              </a:rPr>
+              <a:t> </a:t>
+            </a:r>
+            <a:r>
+              <a:rPr lang="en-US" sz="1200" b="1" dirty="0" err="1">
+                <a:solidFill>
+                  <a:srgbClr val="204A87"/>
+                </a:solidFill>
+                <a:highlight>
+                  <a:srgbClr val="F3DBAB"/>
+                </a:highlight>
+                <a:latin typeface="Consolas" panose="020B0609020204030204" pitchFamily="49" charset="0"/>
+                <a:ea typeface="Cambria" panose="02040503050406030204" pitchFamily="18" charset="0"/>
+                <a:cs typeface="Times New Roman" panose="02020603050405020304" pitchFamily="18" charset="0"/>
+              </a:rPr>
+              <a:t>glmer</a:t>
+            </a:r>
+            <a:r>
+              <a:rPr lang="en-US" sz="1200" dirty="0">
+                <a:latin typeface="Consolas" panose="020B0609020204030204" pitchFamily="49" charset="0"/>
+                <a:ea typeface="Cambria" panose="02040503050406030204" pitchFamily="18" charset="0"/>
+                <a:cs typeface="Times New Roman" panose="02020603050405020304" pitchFamily="18" charset="0"/>
+              </a:rPr>
+              <a:t>(</a:t>
+            </a:r>
+            <a:r>
+              <a:rPr lang="en-US" sz="1200" dirty="0">
+                <a:highlight>
+                  <a:srgbClr val="FFFF00"/>
+                </a:highlight>
+                <a:latin typeface="Consolas" panose="020B0609020204030204" pitchFamily="49" charset="0"/>
+                <a:ea typeface="Cambria" panose="02040503050406030204" pitchFamily="18" charset="0"/>
+                <a:cs typeface="Times New Roman" panose="02020603050405020304" pitchFamily="18" charset="0"/>
+              </a:rPr>
+              <a:t>value </a:t>
+            </a:r>
+            <a:r>
+              <a:rPr lang="en-US" sz="1200" b="1" dirty="0">
+                <a:solidFill>
+                  <a:srgbClr val="CE5C00"/>
+                </a:solidFill>
+                <a:highlight>
+                  <a:srgbClr val="FFFF00"/>
+                </a:highlight>
+                <a:latin typeface="Consolas" panose="020B0609020204030204" pitchFamily="49" charset="0"/>
+                <a:ea typeface="Cambria" panose="02040503050406030204" pitchFamily="18" charset="0"/>
+                <a:cs typeface="Times New Roman" panose="02020603050405020304" pitchFamily="18" charset="0"/>
+              </a:rPr>
+              <a:t>~</a:t>
+            </a:r>
+            <a:r>
+              <a:rPr lang="en-US" sz="1200" dirty="0">
+                <a:highlight>
+                  <a:srgbClr val="FFFF00"/>
+                </a:highlight>
+                <a:latin typeface="Consolas" panose="020B0609020204030204" pitchFamily="49" charset="0"/>
+                <a:ea typeface="Cambria" panose="02040503050406030204" pitchFamily="18" charset="0"/>
+                <a:cs typeface="Times New Roman" panose="02020603050405020304" pitchFamily="18" charset="0"/>
+              </a:rPr>
+              <a:t> variable </a:t>
+            </a:r>
+            <a:r>
+              <a:rPr lang="en-US" sz="1200" b="1" dirty="0">
+                <a:solidFill>
+                  <a:srgbClr val="CE5C00"/>
+                </a:solidFill>
+                <a:highlight>
+                  <a:srgbClr val="FFFF00"/>
+                </a:highlight>
+                <a:latin typeface="Consolas" panose="020B0609020204030204" pitchFamily="49" charset="0"/>
+                <a:ea typeface="Cambria" panose="02040503050406030204" pitchFamily="18" charset="0"/>
+                <a:cs typeface="Times New Roman" panose="02020603050405020304" pitchFamily="18" charset="0"/>
+              </a:rPr>
+              <a:t>+</a:t>
+            </a:r>
+            <a:r>
+              <a:rPr lang="en-US" sz="1200" dirty="0">
+                <a:highlight>
+                  <a:srgbClr val="FFFF00"/>
+                </a:highlight>
+                <a:latin typeface="Consolas" panose="020B0609020204030204" pitchFamily="49" charset="0"/>
+                <a:ea typeface="Cambria" panose="02040503050406030204" pitchFamily="18" charset="0"/>
+                <a:cs typeface="Times New Roman" panose="02020603050405020304" pitchFamily="18" charset="0"/>
+              </a:rPr>
+              <a:t> (</a:t>
+            </a:r>
+            <a:r>
+              <a:rPr lang="en-US" sz="1200" dirty="0">
+                <a:solidFill>
+                  <a:srgbClr val="0000CF"/>
+                </a:solidFill>
+                <a:highlight>
+                  <a:srgbClr val="FFFF00"/>
+                </a:highlight>
+                <a:latin typeface="Consolas" panose="020B0609020204030204" pitchFamily="49" charset="0"/>
+                <a:ea typeface="Cambria" panose="02040503050406030204" pitchFamily="18" charset="0"/>
+                <a:cs typeface="Times New Roman" panose="02020603050405020304" pitchFamily="18" charset="0"/>
+              </a:rPr>
+              <a:t>1</a:t>
+            </a:r>
+            <a:r>
+              <a:rPr lang="en-US" sz="1200" b="1" dirty="0">
+                <a:solidFill>
+                  <a:srgbClr val="CE5C00"/>
+                </a:solidFill>
+                <a:highlight>
+                  <a:srgbClr val="FFFF00"/>
+                </a:highlight>
+                <a:latin typeface="Consolas" panose="020B0609020204030204" pitchFamily="49" charset="0"/>
+                <a:ea typeface="Cambria" panose="02040503050406030204" pitchFamily="18" charset="0"/>
+                <a:cs typeface="Times New Roman" panose="02020603050405020304" pitchFamily="18" charset="0"/>
+              </a:rPr>
+              <a:t>|</a:t>
+            </a:r>
+            <a:r>
+              <a:rPr lang="en-US" sz="1200" dirty="0">
+                <a:highlight>
+                  <a:srgbClr val="FFFF00"/>
+                </a:highlight>
+                <a:latin typeface="Consolas" panose="020B0609020204030204" pitchFamily="49" charset="0"/>
+                <a:ea typeface="Cambria" panose="02040503050406030204" pitchFamily="18" charset="0"/>
+                <a:cs typeface="Times New Roman" panose="02020603050405020304" pitchFamily="18" charset="0"/>
+              </a:rPr>
+              <a:t>person)</a:t>
+            </a:r>
+            <a:r>
+              <a:rPr lang="en-US" sz="1200" dirty="0">
+                <a:latin typeface="Consolas" panose="020B0609020204030204" pitchFamily="49" charset="0"/>
+                <a:ea typeface="Cambria" panose="02040503050406030204" pitchFamily="18" charset="0"/>
+                <a:cs typeface="Times New Roman" panose="02020603050405020304" pitchFamily="18" charset="0"/>
+              </a:rPr>
+              <a:t>, </a:t>
+            </a:r>
+            <a:r>
+              <a:rPr lang="en-US" sz="1200" dirty="0">
+                <a:solidFill>
+                  <a:srgbClr val="204A87"/>
+                </a:solidFill>
+                <a:latin typeface="Consolas" panose="020B0609020204030204" pitchFamily="49" charset="0"/>
+                <a:ea typeface="Cambria" panose="02040503050406030204" pitchFamily="18" charset="0"/>
+                <a:cs typeface="Times New Roman" panose="02020603050405020304" pitchFamily="18" charset="0"/>
+              </a:rPr>
+              <a:t>data =</a:t>
+            </a:r>
+            <a:r>
+              <a:rPr lang="en-US" sz="1200" dirty="0">
+                <a:latin typeface="Consolas" panose="020B0609020204030204" pitchFamily="49" charset="0"/>
+                <a:ea typeface="Cambria" panose="02040503050406030204" pitchFamily="18" charset="0"/>
+                <a:cs typeface="Times New Roman" panose="02020603050405020304" pitchFamily="18" charset="0"/>
+              </a:rPr>
+              <a:t> </a:t>
+            </a:r>
+            <a:r>
+              <a:rPr lang="en-US" sz="1200" dirty="0" err="1">
+                <a:latin typeface="Consolas" panose="020B0609020204030204" pitchFamily="49" charset="0"/>
+                <a:ea typeface="Cambria" panose="02040503050406030204" pitchFamily="18" charset="0"/>
+                <a:cs typeface="Times New Roman" panose="02020603050405020304" pitchFamily="18" charset="0"/>
+              </a:rPr>
+              <a:t>datLong</a:t>
+            </a:r>
+            <a:r>
+              <a:rPr lang="en-US" sz="1200" dirty="0">
+                <a:latin typeface="Consolas" panose="020B0609020204030204" pitchFamily="49" charset="0"/>
+                <a:ea typeface="Cambria" panose="02040503050406030204" pitchFamily="18" charset="0"/>
+                <a:cs typeface="Times New Roman" panose="02020603050405020304" pitchFamily="18" charset="0"/>
+              </a:rPr>
+              <a:t>, </a:t>
+            </a:r>
+            <a:r>
+              <a:rPr lang="en-US" sz="1200" dirty="0">
+                <a:solidFill>
+                  <a:srgbClr val="204A87"/>
+                </a:solidFill>
+                <a:latin typeface="Consolas" panose="020B0609020204030204" pitchFamily="49" charset="0"/>
+                <a:ea typeface="Cambria" panose="02040503050406030204" pitchFamily="18" charset="0"/>
+                <a:cs typeface="Times New Roman" panose="02020603050405020304" pitchFamily="18" charset="0"/>
+              </a:rPr>
+              <a:t>family =</a:t>
+            </a:r>
+            <a:r>
+              <a:rPr lang="en-US" sz="1200" dirty="0">
+                <a:latin typeface="Consolas" panose="020B0609020204030204" pitchFamily="49" charset="0"/>
+                <a:ea typeface="Cambria" panose="02040503050406030204" pitchFamily="18" charset="0"/>
+                <a:cs typeface="Times New Roman" panose="02020603050405020304" pitchFamily="18" charset="0"/>
+              </a:rPr>
+              <a:t> </a:t>
+            </a:r>
+            <a:r>
+              <a:rPr lang="en-US" sz="1200" b="1" dirty="0">
+                <a:solidFill>
+                  <a:srgbClr val="204A87"/>
+                </a:solidFill>
+                <a:highlight>
+                  <a:srgbClr val="CCCCFF"/>
+                </a:highlight>
+                <a:latin typeface="Consolas" panose="020B0609020204030204" pitchFamily="49" charset="0"/>
+                <a:ea typeface="Cambria" panose="02040503050406030204" pitchFamily="18" charset="0"/>
+                <a:cs typeface="Times New Roman" panose="02020603050405020304" pitchFamily="18" charset="0"/>
+              </a:rPr>
+              <a:t>binomial</a:t>
+            </a:r>
+            <a:r>
+              <a:rPr lang="en-US" sz="1200" dirty="0">
+                <a:highlight>
+                  <a:srgbClr val="CCCCFF"/>
+                </a:highlight>
+                <a:latin typeface="Consolas" panose="020B0609020204030204" pitchFamily="49" charset="0"/>
+                <a:ea typeface="Cambria" panose="02040503050406030204" pitchFamily="18" charset="0"/>
+                <a:cs typeface="Times New Roman" panose="02020603050405020304" pitchFamily="18" charset="0"/>
+              </a:rPr>
+              <a:t>(</a:t>
+            </a:r>
+            <a:r>
+              <a:rPr lang="en-US" sz="1200" dirty="0">
+                <a:solidFill>
+                  <a:srgbClr val="204A87"/>
+                </a:solidFill>
+                <a:highlight>
+                  <a:srgbClr val="CCCCFF"/>
+                </a:highlight>
+                <a:latin typeface="Consolas" panose="020B0609020204030204" pitchFamily="49" charset="0"/>
+                <a:ea typeface="Cambria" panose="02040503050406030204" pitchFamily="18" charset="0"/>
+                <a:cs typeface="Times New Roman" panose="02020603050405020304" pitchFamily="18" charset="0"/>
+              </a:rPr>
+              <a:t>link=</a:t>
+            </a:r>
+            <a:r>
+              <a:rPr lang="en-US" sz="1200" dirty="0">
+                <a:solidFill>
+                  <a:srgbClr val="4E9A06"/>
+                </a:solidFill>
+                <a:highlight>
+                  <a:srgbClr val="CCCCFF"/>
+                </a:highlight>
+                <a:latin typeface="Consolas" panose="020B0609020204030204" pitchFamily="49" charset="0"/>
+                <a:ea typeface="Cambria" panose="02040503050406030204" pitchFamily="18" charset="0"/>
+                <a:cs typeface="Times New Roman" panose="02020603050405020304" pitchFamily="18" charset="0"/>
+              </a:rPr>
+              <a:t>"logit"</a:t>
+            </a:r>
+            <a:r>
+              <a:rPr lang="en-US" sz="1200" dirty="0">
+                <a:highlight>
+                  <a:srgbClr val="CCCCFF"/>
+                </a:highlight>
+                <a:latin typeface="Consolas" panose="020B0609020204030204" pitchFamily="49" charset="0"/>
+                <a:ea typeface="Cambria" panose="02040503050406030204" pitchFamily="18" charset="0"/>
+                <a:cs typeface="Times New Roman" panose="02020603050405020304" pitchFamily="18" charset="0"/>
+              </a:rPr>
+              <a:t>)</a:t>
+            </a:r>
+            <a:r>
+              <a:rPr lang="en-US" sz="1200" dirty="0">
+                <a:latin typeface="Consolas" panose="020B0609020204030204" pitchFamily="49" charset="0"/>
+                <a:ea typeface="Cambria" panose="02040503050406030204" pitchFamily="18" charset="0"/>
+                <a:cs typeface="Times New Roman" panose="02020603050405020304" pitchFamily="18" charset="0"/>
+              </a:rPr>
+              <a:t>)</a:t>
+            </a:r>
+            <a:endParaRPr lang="de-DE" sz="1200" dirty="0">
+              <a:latin typeface="Consolas" panose="020B0609020204030204" pitchFamily="49" charset="0"/>
+              <a:ea typeface="Cambria" panose="02040503050406030204" pitchFamily="18" charset="0"/>
+              <a:cs typeface="Times New Roman" panose="02020603050405020304" pitchFamily="18" charset="0"/>
+            </a:endParaRPr>
+          </a:p>
+          <a:p>
+            <a:pPr marL="800100" lvl="1" indent="-342900">
+              <a:lnSpc>
+                <a:spcPct val="114000"/>
+              </a:lnSpc>
+              <a:spcBef>
+                <a:spcPts val="600"/>
+              </a:spcBef>
+              <a:buClr>
+                <a:srgbClr val="A61B1E"/>
+              </a:buClr>
+              <a:buFont typeface="+mj-lt"/>
+              <a:buAutoNum type="arabicPeriod"/>
+            </a:pPr>
+            <a:endParaRPr lang="en-US" altLang="de-DE" sz="1400" dirty="0">
+              <a:latin typeface="Calibri" pitchFamily="34" charset="0"/>
+            </a:endParaRPr>
           </a:p>
           <a:p>
             <a:pPr marL="800100" lvl="1" indent="-342900">
@@ -22420,7 +22835,7 @@
           <a:graphicData uri="http://schemas.openxmlformats.org/presentationml/2006/ole">
             <mc:AlternateContent xmlns:mc="http://schemas.openxmlformats.org/markup-compatibility/2006">
               <mc:Choice xmlns:v="urn:schemas-microsoft-com:vml" Requires="v">
-                <p:oleObj spid="_x0000_s356385" r:id="rId4" imgW="800100" imgH="228600" progId="Equation.3">
+                <p:oleObj spid="_x0000_s356393" r:id="rId4" imgW="800100" imgH="228600" progId="Equation.3">
                   <p:embed/>
                 </p:oleObj>
               </mc:Choice>
@@ -22571,7 +22986,7 @@
           <a:graphicData uri="http://schemas.openxmlformats.org/presentationml/2006/ole">
             <mc:AlternateContent xmlns:mc="http://schemas.openxmlformats.org/markup-compatibility/2006">
               <mc:Choice xmlns:v="urn:schemas-microsoft-com:vml" Requires="v">
-                <p:oleObj spid="_x0000_s356386" r:id="rId6" imgW="1511300" imgH="482600" progId="Equation.3">
+                <p:oleObj spid="_x0000_s356394" r:id="rId6" imgW="1511300" imgH="482600" progId="Equation.3">
                   <p:embed/>
                 </p:oleObj>
               </mc:Choice>
@@ -22722,7 +23137,7 @@
           <a:graphicData uri="http://schemas.openxmlformats.org/presentationml/2006/ole">
             <mc:AlternateContent xmlns:mc="http://schemas.openxmlformats.org/markup-compatibility/2006">
               <mc:Choice xmlns:v="urn:schemas-microsoft-com:vml" Requires="v">
-                <p:oleObj spid="_x0000_s356387" r:id="rId8" imgW="1358900" imgH="228600" progId="Equation.3">
+                <p:oleObj spid="_x0000_s356395" r:id="rId8" imgW="1358900" imgH="228600" progId="Equation.3">
                   <p:embed/>
                 </p:oleObj>
               </mc:Choice>
@@ -22873,7 +23288,7 @@
           <a:graphicData uri="http://schemas.openxmlformats.org/presentationml/2006/ole">
             <mc:AlternateContent xmlns:mc="http://schemas.openxmlformats.org/markup-compatibility/2006">
               <mc:Choice xmlns:v="urn:schemas-microsoft-com:vml" Requires="v">
-                <p:oleObj spid="_x0000_s356388" r:id="rId10" imgW="1130300" imgH="228600" progId="Equation.3">
+                <p:oleObj spid="_x0000_s356396" r:id="rId10" imgW="1130300" imgH="228600" progId="Equation.3">
                   <p:embed/>
                 </p:oleObj>
               </mc:Choice>
@@ -23160,6 +23575,37 @@
                                         <p:tgtEl>
                                           <p:spTgt spid="4">
                                             <p:txEl>
+                                              <p:pRg st="8" end="8"/>
+                                            </p:txEl>
+                                          </p:spTgt>
+                                        </p:tgtEl>
+                                        <p:attrNameLst>
+                                          <p:attrName>style.visibility</p:attrName>
+                                        </p:attrNameLst>
+                                      </p:cBhvr>
+                                      <p:to>
+                                        <p:strVal val="visible"/>
+                                      </p:to>
+                                    </p:set>
+                                  </p:childTnLst>
+                                </p:cTn>
+                              </p:par>
+                              <p:par>
+                                <p:cTn id="19" presetID="1" presetClass="entr" presetSubtype="0" fill="hold" nodeType="withEffect">
+                                  <p:stCondLst>
+                                    <p:cond delay="0"/>
+                                  </p:stCondLst>
+                                  <p:childTnLst>
+                                    <p:set>
+                                      <p:cBhvr>
+                                        <p:cTn id="20" dur="1" fill="hold">
+                                          <p:stCondLst>
+                                            <p:cond delay="0"/>
+                                          </p:stCondLst>
+                                        </p:cTn>
+                                        <p:tgtEl>
+                                          <p:spTgt spid="4">
+                                            <p:txEl>
                                               <p:pRg st="3" end="3"/>
                                             </p:txEl>
                                           </p:spTgt>
@@ -24761,7 +25207,7 @@
           <a:graphicData uri="http://schemas.openxmlformats.org/presentationml/2006/ole">
             <mc:AlternateContent xmlns:mc="http://schemas.openxmlformats.org/markup-compatibility/2006">
               <mc:Choice xmlns:v="urn:schemas-microsoft-com:vml" Requires="v">
-                <p:oleObj spid="_x0000_s354343" name="Formel" r:id="rId4" imgW="1638300" imgH="228600" progId="Equation.3">
+                <p:oleObj spid="_x0000_s354349" name="Formel" r:id="rId4" imgW="1638300" imgH="228600" progId="Equation.3">
                   <p:embed/>
                 </p:oleObj>
               </mc:Choice>
@@ -24931,7 +25377,7 @@
           <a:graphicData uri="http://schemas.openxmlformats.org/presentationml/2006/ole">
             <mc:AlternateContent xmlns:mc="http://schemas.openxmlformats.org/markup-compatibility/2006">
               <mc:Choice xmlns:v="urn:schemas-microsoft-com:vml" Requires="v">
-                <p:oleObj spid="_x0000_s354344" r:id="rId6" imgW="876300" imgH="228600" progId="Equation.3">
+                <p:oleObj spid="_x0000_s354350" r:id="rId6" imgW="876300" imgH="228600" progId="Equation.3">
                   <p:embed/>
                 </p:oleObj>
               </mc:Choice>
@@ -25082,7 +25528,7 @@
           <a:graphicData uri="http://schemas.openxmlformats.org/presentationml/2006/ole">
             <mc:AlternateContent xmlns:mc="http://schemas.openxmlformats.org/markup-compatibility/2006">
               <mc:Choice xmlns:v="urn:schemas-microsoft-com:vml" Requires="v">
-                <p:oleObj spid="_x0000_s354345" r:id="rId8" imgW="876300" imgH="241300" progId="Equation.3">
+                <p:oleObj spid="_x0000_s354351" r:id="rId8" imgW="876300" imgH="241300" progId="Equation.3">
                   <p:embed/>
                 </p:oleObj>
               </mc:Choice>
